--- a/聽啊天軍讚美聲.pptx
+++ b/聽啊天軍讚美聲.pptx
@@ -5,14 +5,21 @@
     <p:sldMasterId id="2147483660" r:id="rId1"/>
   </p:sldMasterIdLst>
   <p:sldIdLst>
-    <p:sldId id="256" r:id="rId2"/>
-    <p:sldId id="257" r:id="rId3"/>
-    <p:sldId id="258" r:id="rId4"/>
-    <p:sldId id="259" r:id="rId5"/>
-    <p:sldId id="260" r:id="rId6"/>
-    <p:sldId id="261" r:id="rId7"/>
+    <p:sldId id="262" r:id="rId2"/>
+    <p:sldId id="263" r:id="rId3"/>
+    <p:sldId id="264" r:id="rId4"/>
+    <p:sldId id="265" r:id="rId5"/>
+    <p:sldId id="266" r:id="rId6"/>
+    <p:sldId id="267" r:id="rId7"/>
+    <p:sldId id="268" r:id="rId8"/>
+    <p:sldId id="269" r:id="rId9"/>
+    <p:sldId id="270" r:id="rId10"/>
+    <p:sldId id="271" r:id="rId11"/>
+    <p:sldId id="272" r:id="rId12"/>
+    <p:sldId id="273" r:id="rId13"/>
+    <p:sldId id="274" r:id="rId14"/>
   </p:sldIdLst>
-  <p:sldSz cx="9144000" cy="6858000" type="screen4x3"/>
+  <p:sldSz cx="12192000" cy="6858000"/>
   <p:notesSz cx="6858000" cy="9144000"/>
   <p:defaultTextStyle>
     <a:defPPr>
@@ -109,6 +116,22 @@
       </a:defRPr>
     </a:lvl9pPr>
   </p:defaultTextStyle>
+  <p:extLst>
+    <p:ext uri="{EFAFB233-063F-42B5-8137-9DF3F51BA10A}">
+      <p15:sldGuideLst xmlns:p15="http://schemas.microsoft.com/office/powerpoint/2012/main">
+        <p15:guide id="1" orient="horz" pos="2160" userDrawn="1">
+          <p15:clr>
+            <a:srgbClr val="A4A3A4"/>
+          </p15:clr>
+        </p15:guide>
+        <p15:guide id="2" pos="3840" userDrawn="1">
+          <p15:clr>
+            <a:srgbClr val="A4A3A4"/>
+          </p15:clr>
+        </p15:guide>
+      </p15:sldGuideLst>
+    </p:ext>
+  </p:extLst>
 </p:presentation>
 </file>
 
@@ -141,8 +164,8 @@
         </p:nvSpPr>
         <p:spPr>
           <a:xfrm>
-            <a:off x="685800" y="2130425"/>
-            <a:ext cx="7772400" cy="1470025"/>
+            <a:off x="914400" y="2130426"/>
+            <a:ext cx="10363200" cy="1470025"/>
           </a:xfrm>
         </p:spPr>
         <p:txBody>
@@ -169,8 +192,8 @@
         </p:nvSpPr>
         <p:spPr>
           <a:xfrm>
-            <a:off x="1371600" y="3886200"/>
-            <a:ext cx="6400800" cy="1752600"/>
+            <a:off x="1828800" y="3886200"/>
+            <a:ext cx="8534400" cy="1752600"/>
           </a:xfrm>
         </p:spPr>
         <p:txBody>
@@ -293,7 +316,7 @@
           <a:p>
             <a:fld id="{4005F563-AA81-47C9-AEB5-8F895E35A3DE}" type="datetimeFigureOut">
               <a:rPr lang="zh-TW" altLang="en-US" smtClean="0"/>
-              <a:t>2017/12/23</a:t>
+              <a:t>2022/12/10</a:t>
             </a:fld>
             <a:endParaRPr lang="zh-TW" altLang="en-US"/>
           </a:p>
@@ -458,7 +481,7 @@
           <a:p>
             <a:fld id="{4005F563-AA81-47C9-AEB5-8F895E35A3DE}" type="datetimeFigureOut">
               <a:rPr lang="zh-TW" altLang="en-US" smtClean="0"/>
-              <a:t>2017/12/23</a:t>
+              <a:t>2022/12/10</a:t>
             </a:fld>
             <a:endParaRPr lang="zh-TW" altLang="en-US"/>
           </a:p>
@@ -543,8 +566,8 @@
         </p:nvSpPr>
         <p:spPr>
           <a:xfrm>
-            <a:off x="6629400" y="274638"/>
-            <a:ext cx="2057400" cy="5851525"/>
+            <a:off x="8839200" y="274639"/>
+            <a:ext cx="2743200" cy="5851525"/>
           </a:xfrm>
         </p:spPr>
         <p:txBody>
@@ -571,8 +594,8 @@
         </p:nvSpPr>
         <p:spPr>
           <a:xfrm>
-            <a:off x="457200" y="274638"/>
-            <a:ext cx="6019800" cy="5851525"/>
+            <a:off x="609600" y="274639"/>
+            <a:ext cx="8026400" cy="5851525"/>
           </a:xfrm>
         </p:spPr>
         <p:txBody>
@@ -633,7 +656,7 @@
           <a:p>
             <a:fld id="{4005F563-AA81-47C9-AEB5-8F895E35A3DE}" type="datetimeFigureOut">
               <a:rPr lang="zh-TW" altLang="en-US" smtClean="0"/>
-              <a:t>2017/12/23</a:t>
+              <a:t>2022/12/10</a:t>
             </a:fld>
             <a:endParaRPr lang="zh-TW" altLang="en-US"/>
           </a:p>
@@ -798,7 +821,7 @@
           <a:p>
             <a:fld id="{4005F563-AA81-47C9-AEB5-8F895E35A3DE}" type="datetimeFigureOut">
               <a:rPr lang="zh-TW" altLang="en-US" smtClean="0"/>
-              <a:t>2017/12/23</a:t>
+              <a:t>2022/12/10</a:t>
             </a:fld>
             <a:endParaRPr lang="zh-TW" altLang="en-US"/>
           </a:p>
@@ -883,8 +906,8 @@
         </p:nvSpPr>
         <p:spPr>
           <a:xfrm>
-            <a:off x="722313" y="4406900"/>
-            <a:ext cx="7772400" cy="1362075"/>
+            <a:off x="963084" y="4406901"/>
+            <a:ext cx="10363200" cy="1362075"/>
           </a:xfrm>
         </p:spPr>
         <p:txBody>
@@ -915,8 +938,8 @@
         </p:nvSpPr>
         <p:spPr>
           <a:xfrm>
-            <a:off x="722313" y="2906713"/>
-            <a:ext cx="7772400" cy="1500187"/>
+            <a:off x="963084" y="2906713"/>
+            <a:ext cx="10363200" cy="1500187"/>
           </a:xfrm>
         </p:spPr>
         <p:txBody>
@@ -1039,7 +1062,7 @@
           <a:p>
             <a:fld id="{4005F563-AA81-47C9-AEB5-8F895E35A3DE}" type="datetimeFigureOut">
               <a:rPr lang="zh-TW" altLang="en-US" smtClean="0"/>
-              <a:t>2017/12/23</a:t>
+              <a:t>2022/12/10</a:t>
             </a:fld>
             <a:endParaRPr lang="zh-TW" altLang="en-US"/>
           </a:p>
@@ -1147,8 +1170,8 @@
         </p:nvSpPr>
         <p:spPr>
           <a:xfrm>
-            <a:off x="457200" y="1600200"/>
-            <a:ext cx="4038600" cy="4525963"/>
+            <a:off x="609600" y="1600201"/>
+            <a:ext cx="5384800" cy="4525963"/>
           </a:xfrm>
         </p:spPr>
         <p:txBody>
@@ -1232,8 +1255,8 @@
         </p:nvSpPr>
         <p:spPr>
           <a:xfrm>
-            <a:off x="4648200" y="1600200"/>
-            <a:ext cx="4038600" cy="4525963"/>
+            <a:off x="6197600" y="1600201"/>
+            <a:ext cx="5384800" cy="4525963"/>
           </a:xfrm>
         </p:spPr>
         <p:txBody>
@@ -1322,7 +1345,7 @@
           <a:p>
             <a:fld id="{4005F563-AA81-47C9-AEB5-8F895E35A3DE}" type="datetimeFigureOut">
               <a:rPr lang="zh-TW" altLang="en-US" smtClean="0"/>
-              <a:t>2017/12/23</a:t>
+              <a:t>2022/12/10</a:t>
             </a:fld>
             <a:endParaRPr lang="zh-TW" altLang="en-US"/>
           </a:p>
@@ -1434,8 +1457,8 @@
         </p:nvSpPr>
         <p:spPr>
           <a:xfrm>
-            <a:off x="457200" y="1535113"/>
-            <a:ext cx="4040188" cy="639762"/>
+            <a:off x="609600" y="1535113"/>
+            <a:ext cx="5386917" cy="639762"/>
           </a:xfrm>
         </p:spPr>
         <p:txBody>
@@ -1499,8 +1522,8 @@
         </p:nvSpPr>
         <p:spPr>
           <a:xfrm>
-            <a:off x="457200" y="2174875"/>
-            <a:ext cx="4040188" cy="3951288"/>
+            <a:off x="609600" y="2174875"/>
+            <a:ext cx="5386917" cy="3951288"/>
           </a:xfrm>
         </p:spPr>
         <p:txBody>
@@ -1584,8 +1607,8 @@
         </p:nvSpPr>
         <p:spPr>
           <a:xfrm>
-            <a:off x="4645025" y="1535113"/>
-            <a:ext cx="4041775" cy="639762"/>
+            <a:off x="6193368" y="1535113"/>
+            <a:ext cx="5389033" cy="639762"/>
           </a:xfrm>
         </p:spPr>
         <p:txBody>
@@ -1649,8 +1672,8 @@
         </p:nvSpPr>
         <p:spPr>
           <a:xfrm>
-            <a:off x="4645025" y="2174875"/>
-            <a:ext cx="4041775" cy="3951288"/>
+            <a:off x="6193368" y="2174875"/>
+            <a:ext cx="5389033" cy="3951288"/>
           </a:xfrm>
         </p:spPr>
         <p:txBody>
@@ -1739,7 +1762,7 @@
           <a:p>
             <a:fld id="{4005F563-AA81-47C9-AEB5-8F895E35A3DE}" type="datetimeFigureOut">
               <a:rPr lang="zh-TW" altLang="en-US" smtClean="0"/>
-              <a:t>2017/12/23</a:t>
+              <a:t>2022/12/10</a:t>
             </a:fld>
             <a:endParaRPr lang="zh-TW" altLang="en-US"/>
           </a:p>
@@ -1852,7 +1875,7 @@
           <a:p>
             <a:fld id="{4005F563-AA81-47C9-AEB5-8F895E35A3DE}" type="datetimeFigureOut">
               <a:rPr lang="zh-TW" altLang="en-US" smtClean="0"/>
-              <a:t>2017/12/23</a:t>
+              <a:t>2022/12/10</a:t>
             </a:fld>
             <a:endParaRPr lang="zh-TW" altLang="en-US"/>
           </a:p>
@@ -1942,7 +1965,7 @@
           <a:p>
             <a:fld id="{4005F563-AA81-47C9-AEB5-8F895E35A3DE}" type="datetimeFigureOut">
               <a:rPr lang="zh-TW" altLang="en-US" smtClean="0"/>
-              <a:t>2017/12/23</a:t>
+              <a:t>2022/12/10</a:t>
             </a:fld>
             <a:endParaRPr lang="zh-TW" altLang="en-US"/>
           </a:p>
@@ -2027,8 +2050,8 @@
         </p:nvSpPr>
         <p:spPr>
           <a:xfrm>
-            <a:off x="457200" y="273050"/>
-            <a:ext cx="3008313" cy="1162050"/>
+            <a:off x="609601" y="273050"/>
+            <a:ext cx="4011084" cy="1162050"/>
           </a:xfrm>
         </p:spPr>
         <p:txBody>
@@ -2059,8 +2082,8 @@
         </p:nvSpPr>
         <p:spPr>
           <a:xfrm>
-            <a:off x="3575050" y="273050"/>
-            <a:ext cx="5111750" cy="5853113"/>
+            <a:off x="4766733" y="273051"/>
+            <a:ext cx="6815667" cy="5853113"/>
           </a:xfrm>
         </p:spPr>
         <p:txBody>
@@ -2144,8 +2167,8 @@
         </p:nvSpPr>
         <p:spPr>
           <a:xfrm>
-            <a:off x="457200" y="1435100"/>
-            <a:ext cx="3008313" cy="4691063"/>
+            <a:off x="609601" y="1435101"/>
+            <a:ext cx="4011084" cy="4691063"/>
           </a:xfrm>
         </p:spPr>
         <p:txBody>
@@ -2214,7 +2237,7 @@
           <a:p>
             <a:fld id="{4005F563-AA81-47C9-AEB5-8F895E35A3DE}" type="datetimeFigureOut">
               <a:rPr lang="zh-TW" altLang="en-US" smtClean="0"/>
-              <a:t>2017/12/23</a:t>
+              <a:t>2022/12/10</a:t>
             </a:fld>
             <a:endParaRPr lang="zh-TW" altLang="en-US"/>
           </a:p>
@@ -2299,8 +2322,8 @@
         </p:nvSpPr>
         <p:spPr>
           <a:xfrm>
-            <a:off x="1792288" y="4800600"/>
-            <a:ext cx="5486400" cy="566738"/>
+            <a:off x="2389717" y="4800600"/>
+            <a:ext cx="7315200" cy="566738"/>
           </a:xfrm>
         </p:spPr>
         <p:txBody>
@@ -2331,8 +2354,8 @@
         </p:nvSpPr>
         <p:spPr>
           <a:xfrm>
-            <a:off x="1792288" y="612775"/>
-            <a:ext cx="5486400" cy="4114800"/>
+            <a:off x="2389717" y="612775"/>
+            <a:ext cx="7315200" cy="4114800"/>
           </a:xfrm>
         </p:spPr>
         <p:txBody>
@@ -2396,8 +2419,8 @@
         </p:nvSpPr>
         <p:spPr>
           <a:xfrm>
-            <a:off x="1792288" y="5367338"/>
-            <a:ext cx="5486400" cy="804862"/>
+            <a:off x="2389717" y="5367338"/>
+            <a:ext cx="7315200" cy="804862"/>
           </a:xfrm>
         </p:spPr>
         <p:txBody>
@@ -2466,7 +2489,7 @@
           <a:p>
             <a:fld id="{4005F563-AA81-47C9-AEB5-8F895E35A3DE}" type="datetimeFigureOut">
               <a:rPr lang="zh-TW" altLang="en-US" smtClean="0"/>
-              <a:t>2017/12/23</a:t>
+              <a:t>2022/12/10</a:t>
             </a:fld>
             <a:endParaRPr lang="zh-TW" altLang="en-US"/>
           </a:p>
@@ -2561,8 +2584,8 @@
         </p:nvSpPr>
         <p:spPr>
           <a:xfrm>
-            <a:off x="457200" y="274638"/>
-            <a:ext cx="8229600" cy="1143000"/>
+            <a:off x="609600" y="274638"/>
+            <a:ext cx="10972800" cy="1143000"/>
           </a:xfrm>
           <a:prstGeom prst="rect">
             <a:avLst/>
@@ -2594,8 +2617,8 @@
         </p:nvSpPr>
         <p:spPr>
           <a:xfrm>
-            <a:off x="457200" y="1600200"/>
-            <a:ext cx="8229600" cy="4525963"/>
+            <a:off x="609600" y="1600201"/>
+            <a:ext cx="10972800" cy="4525963"/>
           </a:xfrm>
           <a:prstGeom prst="rect">
             <a:avLst/>
@@ -2656,8 +2679,8 @@
         </p:nvSpPr>
         <p:spPr>
           <a:xfrm>
-            <a:off x="457200" y="6356350"/>
-            <a:ext cx="2133600" cy="365125"/>
+            <a:off x="609600" y="6356351"/>
+            <a:ext cx="2844800" cy="365125"/>
           </a:xfrm>
           <a:prstGeom prst="rect">
             <a:avLst/>
@@ -2679,7 +2702,7 @@
           <a:p>
             <a:fld id="{4005F563-AA81-47C9-AEB5-8F895E35A3DE}" type="datetimeFigureOut">
               <a:rPr lang="zh-TW" altLang="en-US" smtClean="0"/>
-              <a:t>2017/12/23</a:t>
+              <a:t>2022/12/10</a:t>
             </a:fld>
             <a:endParaRPr lang="zh-TW" altLang="en-US"/>
           </a:p>
@@ -2697,8 +2720,8 @@
         </p:nvSpPr>
         <p:spPr>
           <a:xfrm>
-            <a:off x="3124200" y="6356350"/>
-            <a:ext cx="2895600" cy="365125"/>
+            <a:off x="4165600" y="6356351"/>
+            <a:ext cx="3860800" cy="365125"/>
           </a:xfrm>
           <a:prstGeom prst="rect">
             <a:avLst/>
@@ -2734,8 +2757,8 @@
         </p:nvSpPr>
         <p:spPr>
           <a:xfrm>
-            <a:off x="6553200" y="6356350"/>
-            <a:ext cx="2133600" cy="365125"/>
+            <a:off x="8737600" y="6356351"/>
+            <a:ext cx="2844800" cy="365125"/>
           </a:xfrm>
           <a:prstGeom prst="rect">
             <a:avLst/>
@@ -3051,7 +3074,7 @@
       </p:grpSpPr>
       <p:sp>
         <p:nvSpPr>
-          <p:cNvPr id="2" name="標題 1"/>
+          <p:cNvPr id="4" name="標題 3"/>
           <p:cNvSpPr>
             <a:spLocks noGrp="1"/>
           </p:cNvSpPr>
@@ -3059,85 +3082,121 @@
             <p:ph type="title"/>
           </p:nvPr>
         </p:nvSpPr>
-        <p:spPr/>
-        <p:txBody>
-          <a:bodyPr/>
-          <a:lstStyle/>
-          <a:p>
-            <a:r>
-              <a:rPr lang="zh-TW" altLang="en-US" b="1" dirty="0">
+        <p:spPr>
+          <a:xfrm>
+            <a:off x="0" y="2660915"/>
+            <a:ext cx="12192000" cy="1143000"/>
+          </a:xfrm>
+        </p:spPr>
+        <p:txBody>
+          <a:bodyPr>
+            <a:noAutofit/>
+          </a:bodyPr>
+          <a:lstStyle/>
+          <a:p>
+            <a:r>
+              <a:rPr lang="zh-TW" altLang="en-US" sz="7200" b="1" i="1" dirty="0">
                 <a:solidFill>
                   <a:srgbClr val="000066"/>
                 </a:solidFill>
+                <a:effectLst>
+                  <a:outerShdw blurRad="38100" dist="38100" dir="2700000" algn="tl">
+                    <a:srgbClr val="000000">
+                      <a:alpha val="43137"/>
+                    </a:srgbClr>
+                  </a:outerShdw>
+                </a:effectLst>
                 <a:latin typeface="微軟正黑體" pitchFamily="34" charset="-120"/>
                 <a:ea typeface="微軟正黑體" pitchFamily="34" charset="-120"/>
               </a:rPr>
               <a:t>聽</a:t>
             </a:r>
             <a:r>
-              <a:rPr lang="zh-TW" altLang="en-US" b="1" dirty="0" smtClean="0">
+              <a:rPr lang="zh-TW" altLang="en-US" sz="7200" b="1" i="1" dirty="0">
                 <a:solidFill>
                   <a:srgbClr val="000066"/>
                 </a:solidFill>
+                <a:effectLst>
+                  <a:outerShdw blurRad="38100" dist="38100" dir="2700000" algn="tl">
+                    <a:srgbClr val="000000">
+                      <a:alpha val="43137"/>
+                    </a:srgbClr>
+                  </a:outerShdw>
+                </a:effectLst>
                 <a:latin typeface="微軟正黑體" pitchFamily="34" charset="-120"/>
                 <a:ea typeface="微軟正黑體" pitchFamily="34" charset="-120"/>
               </a:rPr>
-              <a:t>啊  天</a:t>
-            </a:r>
-            <a:r>
-              <a:rPr lang="zh-TW" altLang="en-US" b="1" dirty="0">
+              <a:t>啊  天軍讚美聲</a:t>
+            </a:r>
+          </a:p>
+        </p:txBody>
+      </p:sp>
+    </p:spTree>
+    <p:extLst>
+      <p:ext uri="{BB962C8B-B14F-4D97-AF65-F5344CB8AC3E}">
+        <p14:creationId xmlns:p14="http://schemas.microsoft.com/office/powerpoint/2010/main" val="1565513701"/>
+      </p:ext>
+    </p:extLst>
+  </p:cSld>
+  <p:clrMapOvr>
+    <a:masterClrMapping/>
+  </p:clrMapOvr>
+</p:sld>
+</file>
+
+<file path=ppt/slides/slide10.xml><?xml version="1.0" encoding="utf-8"?>
+<p:sld xmlns:a="http://schemas.openxmlformats.org/drawingml/2006/main" xmlns:r="http://schemas.openxmlformats.org/officeDocument/2006/relationships" xmlns:p="http://schemas.openxmlformats.org/presentationml/2006/main">
+  <p:cSld>
+    <p:spTree>
+      <p:nvGrpSpPr>
+        <p:cNvPr id="1" name=""/>
+        <p:cNvGrpSpPr/>
+        <p:nvPr/>
+      </p:nvGrpSpPr>
+      <p:grpSpPr>
+        <a:xfrm>
+          <a:off x="0" y="0"/>
+          <a:ext cx="0" cy="0"/>
+          <a:chOff x="0" y="0"/>
+          <a:chExt cx="0" cy="0"/>
+        </a:xfrm>
+      </p:grpSpPr>
+      <p:sp>
+        <p:nvSpPr>
+          <p:cNvPr id="5" name="內容版面配置區 4"/>
+          <p:cNvSpPr>
+            <a:spLocks noGrp="1"/>
+          </p:cNvSpPr>
+          <p:nvPr>
+            <p:ph idx="1"/>
+          </p:nvPr>
+        </p:nvSpPr>
+        <p:spPr>
+          <a:xfrm>
+            <a:off x="0" y="2084851"/>
+            <a:ext cx="12192000" cy="2404863"/>
+          </a:xfrm>
+        </p:spPr>
+        <p:txBody>
+          <a:bodyPr anchor="ctr">
+            <a:normAutofit/>
+          </a:bodyPr>
+          <a:lstStyle/>
+          <a:p>
+            <a:pPr lvl="0" algn="ctr">
+              <a:buNone/>
+            </a:pPr>
+            <a:r>
+              <a:rPr lang="zh-TW" altLang="en-US" sz="6400" b="1" dirty="0">
                 <a:solidFill>
                   <a:srgbClr val="000066"/>
                 </a:solidFill>
                 <a:latin typeface="微軟正黑體" pitchFamily="34" charset="-120"/>
                 <a:ea typeface="微軟正黑體" pitchFamily="34" charset="-120"/>
               </a:rPr>
-              <a:t>軍讚美聲</a:t>
-            </a:r>
-          </a:p>
-        </p:txBody>
-      </p:sp>
-      <p:sp>
-        <p:nvSpPr>
-          <p:cNvPr id="4" name="內容版面配置區 3"/>
-          <p:cNvSpPr>
-            <a:spLocks noGrp="1"/>
-          </p:cNvSpPr>
-          <p:nvPr>
-            <p:ph idx="1"/>
-          </p:nvPr>
-        </p:nvSpPr>
-        <p:spPr/>
-        <p:txBody>
-          <a:bodyPr>
-            <a:normAutofit/>
-          </a:bodyPr>
-          <a:lstStyle/>
-          <a:p>
-            <a:pPr lvl="0" algn="ctr">
-              <a:buNone/>
-            </a:pPr>
-            <a:r>
-              <a:rPr lang="zh-TW" altLang="en-US" sz="5400" b="1" dirty="0">
-                <a:solidFill>
-                  <a:srgbClr val="000066"/>
-                </a:solidFill>
-                <a:latin typeface="微軟正黑體" pitchFamily="34" charset="-120"/>
-                <a:ea typeface="微軟正黑體" pitchFamily="34" charset="-120"/>
-              </a:rPr>
-              <a:t>按照聖經裡所</a:t>
-            </a:r>
-            <a:r>
-              <a:rPr lang="zh-TW" altLang="en-US" sz="5400" b="1" dirty="0" smtClean="0">
-                <a:solidFill>
-                  <a:srgbClr val="000066"/>
-                </a:solidFill>
-                <a:latin typeface="微軟正黑體" pitchFamily="34" charset="-120"/>
-                <a:ea typeface="微軟正黑體" pitchFamily="34" charset="-120"/>
-              </a:rPr>
-              <a:t>訓示</a:t>
-            </a:r>
-            <a:endParaRPr lang="en-US" altLang="zh-TW" sz="5400" b="1" dirty="0" smtClean="0">
+              <a:t>聽啊  讚歌正飄揚</a:t>
+            </a:r>
+            <a:endParaRPr lang="en-US" altLang="zh-TW" sz="6400" b="1" dirty="0">
               <a:solidFill>
                 <a:srgbClr val="000066"/>
               </a:solidFill>
@@ -3150,36 +3209,130 @@
               <a:buNone/>
             </a:pPr>
             <a:r>
-              <a:rPr lang="zh-TW" altLang="en-US" sz="5400" b="1" dirty="0" smtClean="0">
+              <a:rPr lang="zh-TW" altLang="en-US" sz="6400" b="1" dirty="0">
                 <a:solidFill>
                   <a:srgbClr val="000066"/>
                 </a:solidFill>
                 <a:latin typeface="微軟正黑體" pitchFamily="34" charset="-120"/>
                 <a:ea typeface="微軟正黑體" pitchFamily="34" charset="-120"/>
               </a:rPr>
-              <a:t>基督</a:t>
-            </a:r>
-            <a:r>
-              <a:rPr lang="zh-TW" altLang="en-US" sz="5400" b="1" dirty="0">
+              <a:t>知否救恩的意義</a:t>
+            </a:r>
+          </a:p>
+        </p:txBody>
+      </p:sp>
+      <p:sp>
+        <p:nvSpPr>
+          <p:cNvPr id="3" name="TextBox 2"/>
+          <p:cNvSpPr txBox="1"/>
+          <p:nvPr/>
+        </p:nvSpPr>
+        <p:spPr>
+          <a:xfrm>
+            <a:off x="0" y="5061181"/>
+            <a:ext cx="12192000" cy="748988"/>
+          </a:xfrm>
+          <a:prstGeom prst="rect">
+            <a:avLst/>
+          </a:prstGeom>
+          <a:noFill/>
+        </p:spPr>
+        <p:txBody>
+          <a:bodyPr wrap="square" rtlCol="0">
+            <a:spAutoFit/>
+          </a:bodyPr>
+          <a:lstStyle/>
+          <a:p>
+            <a:pPr algn="ctr"/>
+            <a:r>
+              <a:rPr lang="en-US" sz="4267" b="1" dirty="0">
+                <a:solidFill>
+                  <a:srgbClr val="000066"/>
+                </a:solidFill>
+              </a:rPr>
+              <a:t>( 3 / 3 )</a:t>
+            </a:r>
+            <a:endParaRPr lang="vi-VN" sz="4267" b="1" dirty="0">
+              <a:solidFill>
+                <a:srgbClr val="000066"/>
+              </a:solidFill>
+            </a:endParaRPr>
+          </a:p>
+        </p:txBody>
+      </p:sp>
+    </p:spTree>
+    <p:extLst>
+      <p:ext uri="{BB962C8B-B14F-4D97-AF65-F5344CB8AC3E}">
+        <p14:creationId xmlns:p14="http://schemas.microsoft.com/office/powerpoint/2010/main" val="1936742678"/>
+      </p:ext>
+    </p:extLst>
+  </p:cSld>
+  <p:clrMapOvr>
+    <a:masterClrMapping/>
+  </p:clrMapOvr>
+  <p:timing>
+    <p:tnLst>
+      <p:par>
+        <p:cTn id="1" dur="indefinite" restart="never" nodeType="tmRoot"/>
+      </p:par>
+    </p:tnLst>
+  </p:timing>
+</p:sld>
+</file>
+
+<file path=ppt/slides/slide11.xml><?xml version="1.0" encoding="utf-8"?>
+<p:sld xmlns:a="http://schemas.openxmlformats.org/drawingml/2006/main" xmlns:r="http://schemas.openxmlformats.org/officeDocument/2006/relationships" xmlns:p="http://schemas.openxmlformats.org/presentationml/2006/main">
+  <p:cSld>
+    <p:spTree>
+      <p:nvGrpSpPr>
+        <p:cNvPr id="1" name=""/>
+        <p:cNvGrpSpPr/>
+        <p:nvPr/>
+      </p:nvGrpSpPr>
+      <p:grpSpPr>
+        <a:xfrm>
+          <a:off x="0" y="0"/>
+          <a:ext cx="0" cy="0"/>
+          <a:chOff x="0" y="0"/>
+          <a:chExt cx="0" cy="0"/>
+        </a:xfrm>
+      </p:grpSpPr>
+      <p:sp>
+        <p:nvSpPr>
+          <p:cNvPr id="5" name="內容版面配置區 4"/>
+          <p:cNvSpPr>
+            <a:spLocks noGrp="1"/>
+          </p:cNvSpPr>
+          <p:nvPr>
+            <p:ph idx="1"/>
+          </p:nvPr>
+        </p:nvSpPr>
+        <p:spPr>
+          <a:xfrm>
+            <a:off x="0" y="2084851"/>
+            <a:ext cx="12192000" cy="2404863"/>
+          </a:xfrm>
+        </p:spPr>
+        <p:txBody>
+          <a:bodyPr anchor="ctr">
+            <a:normAutofit/>
+          </a:bodyPr>
+          <a:lstStyle/>
+          <a:p>
+            <a:pPr algn="ctr">
+              <a:buNone/>
+            </a:pPr>
+            <a:r>
+              <a:rPr lang="zh-TW" altLang="en-US" sz="6400" b="1" dirty="0">
                 <a:solidFill>
                   <a:srgbClr val="000066"/>
                 </a:solidFill>
                 <a:latin typeface="微軟正黑體" pitchFamily="34" charset="-120"/>
                 <a:ea typeface="微軟正黑體" pitchFamily="34" charset="-120"/>
               </a:rPr>
-              <a:t>降生於</a:t>
-            </a:r>
-            <a:r>
-              <a:rPr lang="zh-TW" altLang="en-US" sz="5400" b="1" dirty="0" smtClean="0">
-                <a:solidFill>
-                  <a:srgbClr val="000066"/>
-                </a:solidFill>
-                <a:latin typeface="微軟正黑體" pitchFamily="34" charset="-120"/>
-                <a:ea typeface="微軟正黑體" pitchFamily="34" charset="-120"/>
-              </a:rPr>
-              <a:t>世上</a:t>
-            </a:r>
-            <a:endParaRPr lang="zh-TW" altLang="en-US" sz="5400" b="1" dirty="0">
+              <a:t>人人因祂得享永恆</a:t>
+            </a:r>
+            <a:endParaRPr lang="en-US" altLang="zh-TW" sz="6400" b="1" dirty="0">
               <a:solidFill>
                 <a:srgbClr val="000066"/>
               </a:solidFill>
@@ -3192,26 +3345,130 @@
               <a:buNone/>
             </a:pPr>
             <a:r>
-              <a:rPr lang="zh-TW" altLang="en-US" sz="5400" b="1" dirty="0">
+              <a:rPr lang="zh-TW" altLang="en-US" sz="6400" b="1" dirty="0">
                 <a:solidFill>
                   <a:srgbClr val="000066"/>
                 </a:solidFill>
                 <a:latin typeface="微軟正黑體" pitchFamily="34" charset="-120"/>
                 <a:ea typeface="微軟正黑體" pitchFamily="34" charset="-120"/>
               </a:rPr>
-              <a:t>由童貞之女生</a:t>
-            </a:r>
-            <a:r>
-              <a:rPr lang="zh-TW" altLang="en-US" sz="5400" b="1" dirty="0" smtClean="0">
+              <a:t>身處美麗天國</a:t>
+            </a:r>
+          </a:p>
+        </p:txBody>
+      </p:sp>
+      <p:sp>
+        <p:nvSpPr>
+          <p:cNvPr id="3" name="TextBox 2"/>
+          <p:cNvSpPr txBox="1"/>
+          <p:nvPr/>
+        </p:nvSpPr>
+        <p:spPr>
+          <a:xfrm>
+            <a:off x="0" y="5061181"/>
+            <a:ext cx="12192000" cy="748988"/>
+          </a:xfrm>
+          <a:prstGeom prst="rect">
+            <a:avLst/>
+          </a:prstGeom>
+          <a:noFill/>
+        </p:spPr>
+        <p:txBody>
+          <a:bodyPr wrap="square" rtlCol="0">
+            <a:spAutoFit/>
+          </a:bodyPr>
+          <a:lstStyle/>
+          <a:p>
+            <a:pPr algn="ctr"/>
+            <a:r>
+              <a:rPr lang="en-US" sz="4267" b="1" dirty="0">
+                <a:solidFill>
+                  <a:srgbClr val="000066"/>
+                </a:solidFill>
+              </a:rPr>
+              <a:t>( 3 / 3 )</a:t>
+            </a:r>
+            <a:endParaRPr lang="vi-VN" sz="4267" b="1" dirty="0">
+              <a:solidFill>
+                <a:srgbClr val="000066"/>
+              </a:solidFill>
+            </a:endParaRPr>
+          </a:p>
+        </p:txBody>
+      </p:sp>
+    </p:spTree>
+    <p:extLst>
+      <p:ext uri="{BB962C8B-B14F-4D97-AF65-F5344CB8AC3E}">
+        <p14:creationId xmlns:p14="http://schemas.microsoft.com/office/powerpoint/2010/main" val="3978076377"/>
+      </p:ext>
+    </p:extLst>
+  </p:cSld>
+  <p:clrMapOvr>
+    <a:masterClrMapping/>
+  </p:clrMapOvr>
+  <p:timing>
+    <p:tnLst>
+      <p:par>
+        <p:cTn id="1" dur="indefinite" restart="never" nodeType="tmRoot"/>
+      </p:par>
+    </p:tnLst>
+  </p:timing>
+</p:sld>
+</file>
+
+<file path=ppt/slides/slide12.xml><?xml version="1.0" encoding="utf-8"?>
+<p:sld xmlns:a="http://schemas.openxmlformats.org/drawingml/2006/main" xmlns:r="http://schemas.openxmlformats.org/officeDocument/2006/relationships" xmlns:p="http://schemas.openxmlformats.org/presentationml/2006/main">
+  <p:cSld>
+    <p:spTree>
+      <p:nvGrpSpPr>
+        <p:cNvPr id="1" name=""/>
+        <p:cNvGrpSpPr/>
+        <p:nvPr/>
+      </p:nvGrpSpPr>
+      <p:grpSpPr>
+        <a:xfrm>
+          <a:off x="0" y="0"/>
+          <a:ext cx="0" cy="0"/>
+          <a:chOff x="0" y="0"/>
+          <a:chExt cx="0" cy="0"/>
+        </a:xfrm>
+      </p:grpSpPr>
+      <p:sp>
+        <p:nvSpPr>
+          <p:cNvPr id="5" name="內容版面配置區 4"/>
+          <p:cNvSpPr>
+            <a:spLocks noGrp="1"/>
+          </p:cNvSpPr>
+          <p:nvPr>
+            <p:ph idx="1"/>
+          </p:nvPr>
+        </p:nvSpPr>
+        <p:spPr>
+          <a:xfrm>
+            <a:off x="0" y="2084851"/>
+            <a:ext cx="12192000" cy="2404863"/>
+          </a:xfrm>
+        </p:spPr>
+        <p:txBody>
+          <a:bodyPr anchor="ctr">
+            <a:normAutofit/>
+          </a:bodyPr>
+          <a:lstStyle/>
+          <a:p>
+            <a:pPr algn="ctr">
+              <a:buNone/>
+            </a:pPr>
+            <a:r>
+              <a:rPr lang="zh-TW" altLang="en-US" sz="6400" b="1" dirty="0">
                 <a:solidFill>
                   <a:srgbClr val="000066"/>
                 </a:solidFill>
                 <a:latin typeface="微軟正黑體" pitchFamily="34" charset="-120"/>
                 <a:ea typeface="微軟正黑體" pitchFamily="34" charset="-120"/>
               </a:rPr>
-              <a:t>下</a:t>
-            </a:r>
-            <a:endParaRPr lang="en-US" altLang="zh-TW" sz="5400" b="1" dirty="0" smtClean="0">
+              <a:t>聽啊  天軍讚美聲</a:t>
+            </a:r>
+            <a:endParaRPr lang="en-US" altLang="zh-TW" sz="6400" b="1" dirty="0">
               <a:solidFill>
                 <a:srgbClr val="000066"/>
               </a:solidFill>
@@ -3224,33 +3481,159 @@
               <a:buNone/>
             </a:pPr>
             <a:r>
-              <a:rPr lang="zh-TW" altLang="en-US" sz="5400" b="1" dirty="0" smtClean="0">
+              <a:rPr lang="zh-TW" altLang="en-US" sz="6400" b="1" dirty="0">
                 <a:solidFill>
                   <a:srgbClr val="000066"/>
                 </a:solidFill>
                 <a:latin typeface="微軟正黑體" pitchFamily="34" charset="-120"/>
                 <a:ea typeface="微軟正黑體" pitchFamily="34" charset="-120"/>
               </a:rPr>
-              <a:t>是</a:t>
-            </a:r>
-            <a:r>
-              <a:rPr lang="zh-TW" altLang="en-US" sz="5400" b="1" dirty="0">
-                <a:solidFill>
-                  <a:srgbClr val="000066"/>
-                </a:solidFill>
-                <a:latin typeface="微軟正黑體" pitchFamily="34" charset="-120"/>
-                <a:ea typeface="微軟正黑體" pitchFamily="34" charset="-120"/>
-              </a:rPr>
-              <a:t>人世代所盼</a:t>
+              <a:t>敬拜降生的主</a:t>
             </a:r>
           </a:p>
         </p:txBody>
       </p:sp>
     </p:spTree>
+    <p:extLst>
+      <p:ext uri="{BB962C8B-B14F-4D97-AF65-F5344CB8AC3E}">
+        <p14:creationId xmlns:p14="http://schemas.microsoft.com/office/powerpoint/2010/main" val="2358780707"/>
+      </p:ext>
+    </p:extLst>
   </p:cSld>
   <p:clrMapOvr>
     <a:masterClrMapping/>
   </p:clrMapOvr>
+  <p:timing>
+    <p:tnLst>
+      <p:par>
+        <p:cTn id="1" dur="indefinite" restart="never" nodeType="tmRoot"/>
+      </p:par>
+    </p:tnLst>
+  </p:timing>
+</p:sld>
+</file>
+
+<file path=ppt/slides/slide13.xml><?xml version="1.0" encoding="utf-8"?>
+<p:sld xmlns:a="http://schemas.openxmlformats.org/drawingml/2006/main" xmlns:r="http://schemas.openxmlformats.org/officeDocument/2006/relationships" xmlns:p="http://schemas.openxmlformats.org/presentationml/2006/main">
+  <p:cSld>
+    <p:spTree>
+      <p:nvGrpSpPr>
+        <p:cNvPr id="1" name=""/>
+        <p:cNvGrpSpPr/>
+        <p:nvPr/>
+      </p:nvGrpSpPr>
+      <p:grpSpPr>
+        <a:xfrm>
+          <a:off x="0" y="0"/>
+          <a:ext cx="0" cy="0"/>
+          <a:chOff x="0" y="0"/>
+          <a:chExt cx="0" cy="0"/>
+        </a:xfrm>
+      </p:grpSpPr>
+      <p:sp>
+        <p:nvSpPr>
+          <p:cNvPr id="5" name="內容版面配置區 4"/>
+          <p:cNvSpPr>
+            <a:spLocks noGrp="1"/>
+          </p:cNvSpPr>
+          <p:nvPr>
+            <p:ph idx="1"/>
+          </p:nvPr>
+        </p:nvSpPr>
+        <p:spPr>
+          <a:xfrm>
+            <a:off x="0" y="2084851"/>
+            <a:ext cx="12192000" cy="2404863"/>
+          </a:xfrm>
+        </p:spPr>
+        <p:txBody>
+          <a:bodyPr anchor="ctr">
+            <a:normAutofit/>
+          </a:bodyPr>
+          <a:lstStyle/>
+          <a:p>
+            <a:pPr algn="ctr">
+              <a:buNone/>
+            </a:pPr>
+            <a:r>
+              <a:rPr lang="zh-TW" altLang="en-US" sz="6400" b="1" dirty="0">
+                <a:solidFill>
+                  <a:srgbClr val="000066"/>
+                </a:solidFill>
+                <a:latin typeface="微軟正黑體" pitchFamily="34" charset="-120"/>
+                <a:ea typeface="微軟正黑體" pitchFamily="34" charset="-120"/>
+              </a:rPr>
+              <a:t>願平安歸</a:t>
+            </a:r>
+            <a:r>
+              <a:rPr lang="zh-CN" altLang="en-US" sz="6400" b="1" dirty="0">
+                <a:solidFill>
+                  <a:srgbClr val="000066"/>
+                </a:solidFill>
+                <a:latin typeface="微軟正黑體" pitchFamily="34" charset="-120"/>
+                <a:ea typeface="微軟正黑體" pitchFamily="34" charset="-120"/>
+              </a:rPr>
+              <a:t>與</a:t>
+            </a:r>
+            <a:r>
+              <a:rPr lang="zh-TW" altLang="en-US" sz="6400" b="1" dirty="0">
+                <a:solidFill>
+                  <a:srgbClr val="000066"/>
+                </a:solidFill>
+                <a:latin typeface="微軟正黑體" pitchFamily="34" charset="-120"/>
+                <a:ea typeface="微軟正黑體" pitchFamily="34" charset="-120"/>
+              </a:rPr>
+              <a:t>所有人</a:t>
+            </a:r>
+            <a:endParaRPr lang="en-US" altLang="zh-TW" sz="6400" b="1" dirty="0">
+              <a:solidFill>
+                <a:srgbClr val="000066"/>
+              </a:solidFill>
+              <a:latin typeface="微軟正黑體" pitchFamily="34" charset="-120"/>
+              <a:ea typeface="微軟正黑體" pitchFamily="34" charset="-120"/>
+            </a:endParaRPr>
+          </a:p>
+          <a:p>
+            <a:pPr algn="ctr">
+              <a:buNone/>
+            </a:pPr>
+            <a:r>
+              <a:rPr lang="zh-TW" altLang="en-US" sz="6400" b="1" dirty="0">
+                <a:solidFill>
+                  <a:srgbClr val="000066"/>
+                </a:solidFill>
+                <a:latin typeface="微軟正黑體" pitchFamily="34" charset="-120"/>
+                <a:ea typeface="微軟正黑體" pitchFamily="34" charset="-120"/>
+              </a:rPr>
+              <a:t>願人快樂歌唱</a:t>
+            </a:r>
+            <a:endParaRPr lang="zh-TW" altLang="en-US" sz="6400" b="1" dirty="0">
+              <a:solidFill>
+                <a:srgbClr val="000066"/>
+              </a:solidFill>
+              <a:latin typeface="微軟正黑體" pitchFamily="34" charset="-120"/>
+              <a:ea typeface="微軟正黑體" pitchFamily="34" charset="-120"/>
+            </a:endParaRPr>
+          </a:p>
+        </p:txBody>
+      </p:sp>
+    </p:spTree>
+    <p:extLst>
+      <p:ext uri="{BB962C8B-B14F-4D97-AF65-F5344CB8AC3E}">
+        <p14:creationId xmlns:p14="http://schemas.microsoft.com/office/powerpoint/2010/main" val="3615269325"/>
+      </p:ext>
+    </p:extLst>
+  </p:cSld>
+  <p:clrMapOvr>
+    <a:masterClrMapping/>
+  </p:clrMapOvr>
+  <p:timing>
+    <p:tnLst>
+      <p:par>
+        <p:cTn id="1" dur="indefinite" restart="never" nodeType="tmRoot"/>
+      </p:par>
+    </p:tnLst>
+  </p:timing>
 </p:sld>
 </file>
 
@@ -3273,113 +3656,40 @@
       </p:grpSpPr>
       <p:sp>
         <p:nvSpPr>
-          <p:cNvPr id="2" name="標題 1"/>
-          <p:cNvSpPr>
-            <a:spLocks noGrp="1"/>
-          </p:cNvSpPr>
-          <p:nvPr>
-            <p:ph type="title"/>
-          </p:nvPr>
-        </p:nvSpPr>
-        <p:spPr/>
-        <p:txBody>
-          <a:bodyPr/>
-          <a:lstStyle/>
-          <a:p>
-            <a:r>
-              <a:rPr lang="zh-TW" altLang="en-US" b="1" dirty="0">
+          <p:cNvPr id="5" name="內容版面配置區 4"/>
+          <p:cNvSpPr>
+            <a:spLocks noGrp="1"/>
+          </p:cNvSpPr>
+          <p:nvPr>
+            <p:ph idx="1"/>
+          </p:nvPr>
+        </p:nvSpPr>
+        <p:spPr>
+          <a:xfrm>
+            <a:off x="0" y="2084851"/>
+            <a:ext cx="12192000" cy="2404863"/>
+          </a:xfrm>
+        </p:spPr>
+        <p:txBody>
+          <a:bodyPr anchor="ctr">
+            <a:normAutofit/>
+          </a:bodyPr>
+          <a:lstStyle/>
+          <a:p>
+            <a:pPr lvl="0" algn="ctr">
+              <a:buNone/>
+            </a:pPr>
+            <a:r>
+              <a:rPr lang="zh-TW" altLang="en-US" sz="6400" b="1" dirty="0">
                 <a:solidFill>
                   <a:srgbClr val="000066"/>
                 </a:solidFill>
                 <a:latin typeface="微軟正黑體" pitchFamily="34" charset="-120"/>
                 <a:ea typeface="微軟正黑體" pitchFamily="34" charset="-120"/>
               </a:rPr>
-              <a:t>聽</a:t>
-            </a:r>
-            <a:r>
-              <a:rPr lang="zh-TW" altLang="en-US" b="1" dirty="0" smtClean="0">
-                <a:solidFill>
-                  <a:srgbClr val="000066"/>
-                </a:solidFill>
-                <a:latin typeface="微軟正黑體" pitchFamily="34" charset="-120"/>
-                <a:ea typeface="微軟正黑體" pitchFamily="34" charset="-120"/>
-              </a:rPr>
-              <a:t>啊  天</a:t>
-            </a:r>
-            <a:r>
-              <a:rPr lang="zh-TW" altLang="en-US" b="1" dirty="0">
-                <a:solidFill>
-                  <a:srgbClr val="000066"/>
-                </a:solidFill>
-                <a:latin typeface="微軟正黑體" pitchFamily="34" charset="-120"/>
-                <a:ea typeface="微軟正黑體" pitchFamily="34" charset="-120"/>
-              </a:rPr>
-              <a:t>軍讚美聲</a:t>
-            </a:r>
-          </a:p>
-        </p:txBody>
-      </p:sp>
-      <p:sp>
-        <p:nvSpPr>
-          <p:cNvPr id="4" name="內容版面配置區 3"/>
-          <p:cNvSpPr>
-            <a:spLocks noGrp="1"/>
-          </p:cNvSpPr>
-          <p:nvPr>
-            <p:ph idx="1"/>
-          </p:nvPr>
-        </p:nvSpPr>
-        <p:spPr/>
-        <p:txBody>
-          <a:bodyPr>
-            <a:normAutofit/>
-          </a:bodyPr>
-          <a:lstStyle/>
-          <a:p>
-            <a:pPr algn="ctr">
-              <a:buNone/>
-            </a:pPr>
-            <a:r>
-              <a:rPr lang="zh-TW" altLang="en-US" sz="5400" b="1" dirty="0" smtClean="0">
-                <a:solidFill>
-                  <a:srgbClr val="000066"/>
-                </a:solidFill>
-                <a:latin typeface="微軟正黑體" pitchFamily="34" charset="-120"/>
-                <a:ea typeface="微軟正黑體" pitchFamily="34" charset="-120"/>
-              </a:rPr>
-              <a:t>聽</a:t>
-            </a:r>
-            <a:r>
-              <a:rPr lang="zh-TW" altLang="en-US" sz="5400" b="1" dirty="0" smtClean="0">
-                <a:solidFill>
-                  <a:srgbClr val="000066"/>
-                </a:solidFill>
-                <a:latin typeface="微軟正黑體" pitchFamily="34" charset="-120"/>
-                <a:ea typeface="微軟正黑體" pitchFamily="34" charset="-120"/>
-              </a:rPr>
-              <a:t>啊  天</a:t>
-            </a:r>
-            <a:r>
-              <a:rPr lang="zh-TW" altLang="en-US" sz="5400" b="1" dirty="0" smtClean="0">
-                <a:solidFill>
-                  <a:srgbClr val="000066"/>
-                </a:solidFill>
-                <a:latin typeface="微軟正黑體" pitchFamily="34" charset="-120"/>
-                <a:ea typeface="微軟正黑體" pitchFamily="34" charset="-120"/>
-              </a:rPr>
-              <a:t>軍讚美</a:t>
-            </a:r>
-            <a:r>
-              <a:rPr lang="zh-TW" altLang="en-US" sz="5400" b="1" dirty="0" smtClean="0">
-                <a:solidFill>
-                  <a:srgbClr val="000066"/>
-                </a:solidFill>
-                <a:latin typeface="微軟正黑體" pitchFamily="34" charset="-120"/>
-                <a:ea typeface="微軟正黑體" pitchFamily="34" charset="-120"/>
-              </a:rPr>
-              <a:t>聲</a:t>
-            </a:r>
-            <a:endParaRPr lang="en-US" altLang="zh-TW" sz="5400" b="1" dirty="0" smtClean="0">
+              <a:t>按照聖經裡所訓示</a:t>
+            </a:r>
+            <a:endParaRPr lang="en-US" altLang="zh-TW" sz="6400" b="1" dirty="0">
               <a:solidFill>
                 <a:srgbClr val="000066"/>
               </a:solidFill>
@@ -3388,40 +3698,20 @@
             </a:endParaRPr>
           </a:p>
           <a:p>
-            <a:pPr algn="ctr">
+            <a:pPr lvl="0" algn="ctr">
               <a:buNone/>
             </a:pPr>
             <a:r>
-              <a:rPr lang="zh-TW" altLang="en-US" sz="5400" b="1" dirty="0" smtClean="0">
+              <a:rPr lang="zh-TW" altLang="en-US" sz="6400" b="1" dirty="0">
                 <a:solidFill>
                   <a:srgbClr val="000066"/>
                 </a:solidFill>
                 <a:latin typeface="微軟正黑體" pitchFamily="34" charset="-120"/>
                 <a:ea typeface="微軟正黑體" pitchFamily="34" charset="-120"/>
               </a:rPr>
-              <a:t>敬</a:t>
-            </a:r>
-            <a:r>
-              <a:rPr lang="zh-TW" altLang="en-US" sz="5400" b="1" dirty="0" smtClean="0">
-                <a:solidFill>
-                  <a:srgbClr val="000066"/>
-                </a:solidFill>
-                <a:latin typeface="微軟正黑體" pitchFamily="34" charset="-120"/>
-                <a:ea typeface="微軟正黑體" pitchFamily="34" charset="-120"/>
-              </a:rPr>
-              <a:t>拜降生的</a:t>
-            </a:r>
-            <a:r>
-              <a:rPr lang="zh-TW" altLang="en-US" sz="5400" b="1" dirty="0" smtClean="0">
-                <a:solidFill>
-                  <a:srgbClr val="000066"/>
-                </a:solidFill>
-                <a:latin typeface="微軟正黑體" pitchFamily="34" charset="-120"/>
-                <a:ea typeface="微軟正黑體" pitchFamily="34" charset="-120"/>
-              </a:rPr>
-              <a:t>主</a:t>
-            </a:r>
-            <a:endParaRPr lang="zh-TW" altLang="en-US" sz="5400" b="1" dirty="0" smtClean="0">
+              <a:t>基督降生於世上</a:t>
+            </a:r>
+            <a:endParaRPr lang="zh-TW" altLang="en-US" sz="6400" b="1" dirty="0">
               <a:solidFill>
                 <a:srgbClr val="000066"/>
               </a:solidFill>
@@ -3429,77 +3719,64 @@
               <a:ea typeface="微軟正黑體" pitchFamily="34" charset="-120"/>
             </a:endParaRPr>
           </a:p>
-          <a:p>
-            <a:pPr algn="ctr">
-              <a:buNone/>
-            </a:pPr>
-            <a:r>
-              <a:rPr lang="zh-TW" altLang="en-US" sz="5400" b="1" dirty="0" smtClean="0">
+        </p:txBody>
+      </p:sp>
+      <p:sp>
+        <p:nvSpPr>
+          <p:cNvPr id="3" name="TextBox 2"/>
+          <p:cNvSpPr txBox="1"/>
+          <p:nvPr/>
+        </p:nvSpPr>
+        <p:spPr>
+          <a:xfrm>
+            <a:off x="0" y="5061181"/>
+            <a:ext cx="12192000" cy="748988"/>
+          </a:xfrm>
+          <a:prstGeom prst="rect">
+            <a:avLst/>
+          </a:prstGeom>
+          <a:noFill/>
+        </p:spPr>
+        <p:txBody>
+          <a:bodyPr wrap="square" rtlCol="0">
+            <a:spAutoFit/>
+          </a:bodyPr>
+          <a:lstStyle/>
+          <a:p>
+            <a:pPr algn="ctr"/>
+            <a:r>
+              <a:rPr lang="en-US" sz="4267" b="1" dirty="0">
                 <a:solidFill>
                   <a:srgbClr val="000066"/>
                 </a:solidFill>
-                <a:latin typeface="微軟正黑體" pitchFamily="34" charset="-120"/>
-                <a:ea typeface="微軟正黑體" pitchFamily="34" charset="-120"/>
               </a:rPr>
-              <a:t>願平安歸於</a:t>
-            </a:r>
-            <a:r>
-              <a:rPr lang="zh-TW" altLang="en-US" sz="5400" b="1" dirty="0" smtClean="0">
-                <a:solidFill>
-                  <a:srgbClr val="000066"/>
-                </a:solidFill>
-                <a:latin typeface="微軟正黑體" pitchFamily="34" charset="-120"/>
-                <a:ea typeface="微軟正黑體" pitchFamily="34" charset="-120"/>
-              </a:rPr>
-              <a:t>所有人</a:t>
-            </a:r>
-            <a:endParaRPr lang="en-US" altLang="zh-TW" sz="5400" b="1" dirty="0" smtClean="0">
+              <a:t>( 1 / 3 )</a:t>
+            </a:r>
+            <a:endParaRPr lang="vi-VN" sz="4267" b="1" dirty="0">
               <a:solidFill>
                 <a:srgbClr val="000066"/>
               </a:solidFill>
-              <a:latin typeface="微軟正黑體" pitchFamily="34" charset="-120"/>
-              <a:ea typeface="微軟正黑體" pitchFamily="34" charset="-120"/>
             </a:endParaRPr>
           </a:p>
-          <a:p>
-            <a:pPr algn="ctr">
-              <a:buNone/>
-            </a:pPr>
-            <a:r>
-              <a:rPr lang="zh-TW" altLang="en-US" sz="5400" b="1" dirty="0" smtClean="0">
-                <a:solidFill>
-                  <a:srgbClr val="000066"/>
-                </a:solidFill>
-                <a:latin typeface="微軟正黑體" pitchFamily="34" charset="-120"/>
-                <a:ea typeface="微軟正黑體" pitchFamily="34" charset="-120"/>
-              </a:rPr>
-              <a:t>願</a:t>
-            </a:r>
-            <a:r>
-              <a:rPr lang="zh-TW" altLang="en-US" sz="5400" b="1" dirty="0" smtClean="0">
-                <a:solidFill>
-                  <a:srgbClr val="000066"/>
-                </a:solidFill>
-                <a:latin typeface="微軟正黑體" pitchFamily="34" charset="-120"/>
-                <a:ea typeface="微軟正黑體" pitchFamily="34" charset="-120"/>
-              </a:rPr>
-              <a:t>人快樂歌唱</a:t>
-            </a:r>
-            <a:endParaRPr lang="zh-TW" altLang="en-US" sz="5400" b="1" dirty="0">
-              <a:solidFill>
-                <a:srgbClr val="000066"/>
-              </a:solidFill>
-              <a:latin typeface="微軟正黑體" pitchFamily="34" charset="-120"/>
-              <a:ea typeface="微軟正黑體" pitchFamily="34" charset="-120"/>
-            </a:endParaRPr>
-          </a:p>
         </p:txBody>
       </p:sp>
     </p:spTree>
+    <p:extLst>
+      <p:ext uri="{BB962C8B-B14F-4D97-AF65-F5344CB8AC3E}">
+        <p14:creationId xmlns:p14="http://schemas.microsoft.com/office/powerpoint/2010/main" val="4109879345"/>
+      </p:ext>
+    </p:extLst>
   </p:cSld>
   <p:clrMapOvr>
     <a:masterClrMapping/>
   </p:clrMapOvr>
+  <p:timing>
+    <p:tnLst>
+      <p:par>
+        <p:cTn id="1" dur="indefinite" restart="never" nodeType="tmRoot"/>
+      </p:par>
+    </p:tnLst>
+  </p:timing>
 </p:sld>
 </file>
 
@@ -3522,83 +3799,40 @@
       </p:grpSpPr>
       <p:sp>
         <p:nvSpPr>
-          <p:cNvPr id="2" name="標題 1"/>
-          <p:cNvSpPr>
-            <a:spLocks noGrp="1"/>
-          </p:cNvSpPr>
-          <p:nvPr>
-            <p:ph type="title"/>
-          </p:nvPr>
-        </p:nvSpPr>
-        <p:spPr/>
-        <p:txBody>
-          <a:bodyPr/>
-          <a:lstStyle/>
-          <a:p>
-            <a:r>
-              <a:rPr lang="zh-TW" altLang="en-US" b="1" dirty="0">
+          <p:cNvPr id="5" name="內容版面配置區 4"/>
+          <p:cNvSpPr>
+            <a:spLocks noGrp="1"/>
+          </p:cNvSpPr>
+          <p:nvPr>
+            <p:ph idx="1"/>
+          </p:nvPr>
+        </p:nvSpPr>
+        <p:spPr>
+          <a:xfrm>
+            <a:off x="0" y="2084851"/>
+            <a:ext cx="12192000" cy="2404863"/>
+          </a:xfrm>
+        </p:spPr>
+        <p:txBody>
+          <a:bodyPr anchor="ctr">
+            <a:normAutofit/>
+          </a:bodyPr>
+          <a:lstStyle/>
+          <a:p>
+            <a:pPr algn="ctr">
+              <a:buNone/>
+            </a:pPr>
+            <a:r>
+              <a:rPr lang="zh-TW" altLang="en-US" sz="6400" b="1" dirty="0">
                 <a:solidFill>
                   <a:srgbClr val="000066"/>
                 </a:solidFill>
                 <a:latin typeface="微軟正黑體" pitchFamily="34" charset="-120"/>
                 <a:ea typeface="微軟正黑體" pitchFamily="34" charset="-120"/>
               </a:rPr>
-              <a:t>聽</a:t>
-            </a:r>
-            <a:r>
-              <a:rPr lang="zh-TW" altLang="en-US" b="1" dirty="0" smtClean="0">
-                <a:solidFill>
-                  <a:srgbClr val="000066"/>
-                </a:solidFill>
-                <a:latin typeface="微軟正黑體" pitchFamily="34" charset="-120"/>
-                <a:ea typeface="微軟正黑體" pitchFamily="34" charset="-120"/>
-              </a:rPr>
-              <a:t>啊  天</a:t>
-            </a:r>
-            <a:r>
-              <a:rPr lang="zh-TW" altLang="en-US" b="1" dirty="0">
-                <a:solidFill>
-                  <a:srgbClr val="000066"/>
-                </a:solidFill>
-                <a:latin typeface="微軟正黑體" pitchFamily="34" charset="-120"/>
-                <a:ea typeface="微軟正黑體" pitchFamily="34" charset="-120"/>
-              </a:rPr>
-              <a:t>軍讚美聲</a:t>
-            </a:r>
-          </a:p>
-        </p:txBody>
-      </p:sp>
-      <p:sp>
-        <p:nvSpPr>
-          <p:cNvPr id="4" name="內容版面配置區 3"/>
-          <p:cNvSpPr>
-            <a:spLocks noGrp="1"/>
-          </p:cNvSpPr>
-          <p:nvPr>
-            <p:ph idx="1"/>
-          </p:nvPr>
-        </p:nvSpPr>
-        <p:spPr/>
-        <p:txBody>
-          <a:bodyPr>
-            <a:normAutofit/>
-          </a:bodyPr>
-          <a:lstStyle/>
-          <a:p>
-            <a:pPr lvl="0" algn="ctr">
-              <a:buNone/>
-            </a:pPr>
-            <a:r>
-              <a:rPr lang="zh-TW" altLang="en-US" sz="5400" b="1" dirty="0" smtClean="0">
-                <a:solidFill>
-                  <a:srgbClr val="000066"/>
-                </a:solidFill>
-                <a:latin typeface="微軟正黑體" pitchFamily="34" charset="-120"/>
-                <a:ea typeface="微軟正黑體" pitchFamily="34" charset="-120"/>
-              </a:rPr>
-              <a:t>這晚眾星更顯燦爛</a:t>
-            </a:r>
-            <a:endParaRPr lang="en-US" altLang="zh-TW" sz="5400" b="1" dirty="0" smtClean="0">
+              <a:t>由童貞之女生下</a:t>
+            </a:r>
+            <a:endParaRPr lang="en-US" altLang="zh-TW" sz="6400" b="1" dirty="0">
               <a:solidFill>
                 <a:srgbClr val="000066"/>
               </a:solidFill>
@@ -3607,35 +3841,20 @@
             </a:endParaRPr>
           </a:p>
           <a:p>
-            <a:pPr lvl="0" algn="ctr">
+            <a:pPr algn="ctr">
               <a:buNone/>
             </a:pPr>
             <a:r>
-              <a:rPr lang="zh-TW" altLang="en-US" sz="5400" b="1" dirty="0" smtClean="0">
+              <a:rPr lang="zh-TW" altLang="en-US" sz="6400" b="1" dirty="0">
                 <a:solidFill>
                   <a:srgbClr val="000066"/>
                 </a:solidFill>
                 <a:latin typeface="微軟正黑體" pitchFamily="34" charset="-120"/>
                 <a:ea typeface="微軟正黑體" pitchFamily="34" charset="-120"/>
               </a:rPr>
-              <a:t>皆因救主生世上</a:t>
-            </a:r>
-          </a:p>
-          <a:p>
-            <a:pPr algn="ctr">
-              <a:buNone/>
-            </a:pPr>
-            <a:r>
-              <a:rPr lang="zh-TW" altLang="en-US" sz="5400" b="1" dirty="0" smtClean="0">
-                <a:solidFill>
-                  <a:srgbClr val="000066"/>
-                </a:solidFill>
-                <a:latin typeface="微軟正黑體" pitchFamily="34" charset="-120"/>
-                <a:ea typeface="微軟正黑體" pitchFamily="34" charset="-120"/>
-              </a:rPr>
-              <a:t>原來基督安躺馬槽</a:t>
-            </a:r>
-            <a:endParaRPr lang="en-US" altLang="zh-TW" sz="5400" b="1" dirty="0" smtClean="0">
+              <a:t>是人世代所盼</a:t>
+            </a:r>
+            <a:endParaRPr lang="zh-TW" altLang="en-US" sz="6400" b="1" dirty="0">
               <a:solidFill>
                 <a:srgbClr val="000066"/>
               </a:solidFill>
@@ -3643,28 +3862,64 @@
               <a:ea typeface="微軟正黑體" pitchFamily="34" charset="-120"/>
             </a:endParaRPr>
           </a:p>
-          <a:p>
-            <a:pPr algn="ctr">
-              <a:buNone/>
-            </a:pPr>
-            <a:r>
-              <a:rPr lang="zh-TW" altLang="en-US" sz="5400" b="1" dirty="0" smtClean="0">
+        </p:txBody>
+      </p:sp>
+      <p:sp>
+        <p:nvSpPr>
+          <p:cNvPr id="3" name="TextBox 2"/>
+          <p:cNvSpPr txBox="1"/>
+          <p:nvPr/>
+        </p:nvSpPr>
+        <p:spPr>
+          <a:xfrm>
+            <a:off x="0" y="5061181"/>
+            <a:ext cx="12192000" cy="748988"/>
+          </a:xfrm>
+          <a:prstGeom prst="rect">
+            <a:avLst/>
+          </a:prstGeom>
+          <a:noFill/>
+        </p:spPr>
+        <p:txBody>
+          <a:bodyPr wrap="square" rtlCol="0">
+            <a:spAutoFit/>
+          </a:bodyPr>
+          <a:lstStyle/>
+          <a:p>
+            <a:pPr algn="ctr"/>
+            <a:r>
+              <a:rPr lang="en-US" sz="4267" b="1" dirty="0">
                 <a:solidFill>
                   <a:srgbClr val="000066"/>
                 </a:solidFill>
-                <a:latin typeface="微軟正黑體" pitchFamily="34" charset="-120"/>
-                <a:ea typeface="微軟正黑體" pitchFamily="34" charset="-120"/>
               </a:rPr>
-              <a:t>牧人正在俯拜</a:t>
-            </a:r>
+              <a:t>( 1 / 3 )</a:t>
+            </a:r>
+            <a:endParaRPr lang="vi-VN" sz="4267" b="1" dirty="0">
+              <a:solidFill>
+                <a:srgbClr val="000066"/>
+              </a:solidFill>
+            </a:endParaRPr>
           </a:p>
         </p:txBody>
       </p:sp>
     </p:spTree>
+    <p:extLst>
+      <p:ext uri="{BB962C8B-B14F-4D97-AF65-F5344CB8AC3E}">
+        <p14:creationId xmlns:p14="http://schemas.microsoft.com/office/powerpoint/2010/main" val="3987311939"/>
+      </p:ext>
+    </p:extLst>
   </p:cSld>
   <p:clrMapOvr>
     <a:masterClrMapping/>
   </p:clrMapOvr>
+  <p:timing>
+    <p:tnLst>
+      <p:par>
+        <p:cTn id="1" dur="indefinite" restart="never" nodeType="tmRoot"/>
+      </p:par>
+    </p:tnLst>
+  </p:timing>
 </p:sld>
 </file>
 
@@ -3687,113 +3942,40 @@
       </p:grpSpPr>
       <p:sp>
         <p:nvSpPr>
-          <p:cNvPr id="2" name="標題 1"/>
-          <p:cNvSpPr>
-            <a:spLocks noGrp="1"/>
-          </p:cNvSpPr>
-          <p:nvPr>
-            <p:ph type="title"/>
-          </p:nvPr>
-        </p:nvSpPr>
-        <p:spPr/>
-        <p:txBody>
-          <a:bodyPr/>
-          <a:lstStyle/>
-          <a:p>
-            <a:r>
-              <a:rPr lang="zh-TW" altLang="en-US" b="1" dirty="0">
+          <p:cNvPr id="5" name="內容版面配置區 4"/>
+          <p:cNvSpPr>
+            <a:spLocks noGrp="1"/>
+          </p:cNvSpPr>
+          <p:nvPr>
+            <p:ph idx="1"/>
+          </p:nvPr>
+        </p:nvSpPr>
+        <p:spPr>
+          <a:xfrm>
+            <a:off x="0" y="2084851"/>
+            <a:ext cx="12192000" cy="2404863"/>
+          </a:xfrm>
+        </p:spPr>
+        <p:txBody>
+          <a:bodyPr anchor="ctr">
+            <a:normAutofit/>
+          </a:bodyPr>
+          <a:lstStyle/>
+          <a:p>
+            <a:pPr algn="ctr">
+              <a:buNone/>
+            </a:pPr>
+            <a:r>
+              <a:rPr lang="zh-TW" altLang="en-US" sz="6400" b="1" dirty="0">
                 <a:solidFill>
                   <a:srgbClr val="000066"/>
                 </a:solidFill>
                 <a:latin typeface="微軟正黑體" pitchFamily="34" charset="-120"/>
                 <a:ea typeface="微軟正黑體" pitchFamily="34" charset="-120"/>
               </a:rPr>
-              <a:t>聽</a:t>
-            </a:r>
-            <a:r>
-              <a:rPr lang="zh-TW" altLang="en-US" b="1" dirty="0" smtClean="0">
-                <a:solidFill>
-                  <a:srgbClr val="000066"/>
-                </a:solidFill>
-                <a:latin typeface="微軟正黑體" pitchFamily="34" charset="-120"/>
-                <a:ea typeface="微軟正黑體" pitchFamily="34" charset="-120"/>
-              </a:rPr>
-              <a:t>啊  天</a:t>
-            </a:r>
-            <a:r>
-              <a:rPr lang="zh-TW" altLang="en-US" b="1" dirty="0">
-                <a:solidFill>
-                  <a:srgbClr val="000066"/>
-                </a:solidFill>
-                <a:latin typeface="微軟正黑體" pitchFamily="34" charset="-120"/>
-                <a:ea typeface="微軟正黑體" pitchFamily="34" charset="-120"/>
-              </a:rPr>
-              <a:t>軍讚美聲</a:t>
-            </a:r>
-          </a:p>
-        </p:txBody>
-      </p:sp>
-      <p:sp>
-        <p:nvSpPr>
-          <p:cNvPr id="4" name="內容版面配置區 3"/>
-          <p:cNvSpPr>
-            <a:spLocks noGrp="1"/>
-          </p:cNvSpPr>
-          <p:nvPr>
-            <p:ph idx="1"/>
-          </p:nvPr>
-        </p:nvSpPr>
-        <p:spPr/>
-        <p:txBody>
-          <a:bodyPr>
-            <a:normAutofit/>
-          </a:bodyPr>
-          <a:lstStyle/>
-          <a:p>
-            <a:pPr algn="ctr">
-              <a:buNone/>
-            </a:pPr>
-            <a:r>
-              <a:rPr lang="zh-TW" altLang="en-US" sz="5400" b="1" dirty="0" smtClean="0">
-                <a:solidFill>
-                  <a:srgbClr val="000066"/>
-                </a:solidFill>
-                <a:latin typeface="微軟正黑體" pitchFamily="34" charset="-120"/>
-                <a:ea typeface="微軟正黑體" pitchFamily="34" charset="-120"/>
-              </a:rPr>
-              <a:t>聽</a:t>
-            </a:r>
-            <a:r>
-              <a:rPr lang="zh-TW" altLang="en-US" sz="5400" b="1" dirty="0" smtClean="0">
-                <a:solidFill>
-                  <a:srgbClr val="000066"/>
-                </a:solidFill>
-                <a:latin typeface="微軟正黑體" pitchFamily="34" charset="-120"/>
-                <a:ea typeface="微軟正黑體" pitchFamily="34" charset="-120"/>
-              </a:rPr>
-              <a:t>啊  天</a:t>
-            </a:r>
-            <a:r>
-              <a:rPr lang="zh-TW" altLang="en-US" sz="5400" b="1" dirty="0" smtClean="0">
-                <a:solidFill>
-                  <a:srgbClr val="000066"/>
-                </a:solidFill>
-                <a:latin typeface="微軟正黑體" pitchFamily="34" charset="-120"/>
-                <a:ea typeface="微軟正黑體" pitchFamily="34" charset="-120"/>
-              </a:rPr>
-              <a:t>軍讚美</a:t>
-            </a:r>
-            <a:r>
-              <a:rPr lang="zh-TW" altLang="en-US" sz="5400" b="1" dirty="0" smtClean="0">
-                <a:solidFill>
-                  <a:srgbClr val="000066"/>
-                </a:solidFill>
-                <a:latin typeface="微軟正黑體" pitchFamily="34" charset="-120"/>
-                <a:ea typeface="微軟正黑體" pitchFamily="34" charset="-120"/>
-              </a:rPr>
-              <a:t>聲</a:t>
-            </a:r>
-            <a:endParaRPr lang="en-US" altLang="zh-TW" sz="5400" b="1" dirty="0" smtClean="0">
+              <a:t>聽啊  天軍讚美聲</a:t>
+            </a:r>
+            <a:endParaRPr lang="en-US" altLang="zh-TW" sz="6400" b="1" dirty="0">
               <a:solidFill>
                 <a:srgbClr val="000066"/>
               </a:solidFill>
@@ -3806,114 +3988,35 @@
               <a:buNone/>
             </a:pPr>
             <a:r>
-              <a:rPr lang="zh-TW" altLang="en-US" sz="5400" b="1" dirty="0" smtClean="0">
+              <a:rPr lang="zh-TW" altLang="en-US" sz="6400" b="1" dirty="0">
                 <a:solidFill>
                   <a:srgbClr val="000066"/>
                 </a:solidFill>
                 <a:latin typeface="微軟正黑體" pitchFamily="34" charset="-120"/>
                 <a:ea typeface="微軟正黑體" pitchFamily="34" charset="-120"/>
               </a:rPr>
-              <a:t>敬</a:t>
-            </a:r>
-            <a:r>
-              <a:rPr lang="zh-TW" altLang="en-US" sz="5400" b="1" dirty="0" smtClean="0">
-                <a:solidFill>
-                  <a:srgbClr val="000066"/>
-                </a:solidFill>
-                <a:latin typeface="微軟正黑體" pitchFamily="34" charset="-120"/>
-                <a:ea typeface="微軟正黑體" pitchFamily="34" charset="-120"/>
-              </a:rPr>
-              <a:t>拜降生的</a:t>
-            </a:r>
-            <a:r>
-              <a:rPr lang="zh-TW" altLang="en-US" sz="5400" b="1" dirty="0" smtClean="0">
-                <a:solidFill>
-                  <a:srgbClr val="000066"/>
-                </a:solidFill>
-                <a:latin typeface="微軟正黑體" pitchFamily="34" charset="-120"/>
-                <a:ea typeface="微軟正黑體" pitchFamily="34" charset="-120"/>
-              </a:rPr>
-              <a:t>主</a:t>
-            </a:r>
-            <a:endParaRPr lang="zh-TW" altLang="en-US" sz="5400" b="1" dirty="0" smtClean="0">
-              <a:solidFill>
-                <a:srgbClr val="000066"/>
-              </a:solidFill>
-              <a:latin typeface="微軟正黑體" pitchFamily="34" charset="-120"/>
-              <a:ea typeface="微軟正黑體" pitchFamily="34" charset="-120"/>
-            </a:endParaRPr>
-          </a:p>
-          <a:p>
-            <a:pPr algn="ctr">
-              <a:buNone/>
-            </a:pPr>
-            <a:r>
-              <a:rPr lang="zh-TW" altLang="en-US" sz="5400" b="1" dirty="0" smtClean="0">
-                <a:solidFill>
-                  <a:srgbClr val="000066"/>
-                </a:solidFill>
-                <a:latin typeface="微軟正黑體" pitchFamily="34" charset="-120"/>
-                <a:ea typeface="微軟正黑體" pitchFamily="34" charset="-120"/>
-              </a:rPr>
-              <a:t>願平安歸於</a:t>
-            </a:r>
-            <a:r>
-              <a:rPr lang="zh-TW" altLang="en-US" sz="5400" b="1" dirty="0" smtClean="0">
-                <a:solidFill>
-                  <a:srgbClr val="000066"/>
-                </a:solidFill>
-                <a:latin typeface="微軟正黑體" pitchFamily="34" charset="-120"/>
-                <a:ea typeface="微軟正黑體" pitchFamily="34" charset="-120"/>
-              </a:rPr>
-              <a:t>所有人</a:t>
-            </a:r>
-            <a:endParaRPr lang="en-US" altLang="zh-TW" sz="5400" b="1" dirty="0" smtClean="0">
-              <a:solidFill>
-                <a:srgbClr val="000066"/>
-              </a:solidFill>
-              <a:latin typeface="微軟正黑體" pitchFamily="34" charset="-120"/>
-              <a:ea typeface="微軟正黑體" pitchFamily="34" charset="-120"/>
-            </a:endParaRPr>
-          </a:p>
-          <a:p>
-            <a:pPr algn="ctr">
-              <a:buNone/>
-            </a:pPr>
-            <a:r>
-              <a:rPr lang="zh-TW" altLang="en-US" sz="5400" b="1" dirty="0" smtClean="0">
-                <a:solidFill>
-                  <a:srgbClr val="000066"/>
-                </a:solidFill>
-                <a:latin typeface="微軟正黑體" pitchFamily="34" charset="-120"/>
-                <a:ea typeface="微軟正黑體" pitchFamily="34" charset="-120"/>
-              </a:rPr>
-              <a:t>願</a:t>
-            </a:r>
-            <a:r>
-              <a:rPr lang="zh-TW" altLang="en-US" sz="5400" b="1" dirty="0" smtClean="0">
-                <a:solidFill>
-                  <a:srgbClr val="000066"/>
-                </a:solidFill>
-                <a:latin typeface="微軟正黑體" pitchFamily="34" charset="-120"/>
-                <a:ea typeface="微軟正黑體" pitchFamily="34" charset="-120"/>
-              </a:rPr>
-              <a:t>人快樂歌唱</a:t>
-            </a:r>
-            <a:endParaRPr lang="zh-TW" altLang="en-US" sz="5400" b="1" dirty="0">
-              <a:solidFill>
-                <a:srgbClr val="000066"/>
-              </a:solidFill>
-              <a:latin typeface="微軟正黑體" pitchFamily="34" charset="-120"/>
-              <a:ea typeface="微軟正黑體" pitchFamily="34" charset="-120"/>
-            </a:endParaRPr>
+              <a:t>敬拜降生的主</a:t>
+            </a:r>
           </a:p>
         </p:txBody>
       </p:sp>
     </p:spTree>
+    <p:extLst>
+      <p:ext uri="{BB962C8B-B14F-4D97-AF65-F5344CB8AC3E}">
+        <p14:creationId xmlns:p14="http://schemas.microsoft.com/office/powerpoint/2010/main" val="2582011515"/>
+      </p:ext>
+    </p:extLst>
   </p:cSld>
   <p:clrMapOvr>
     <a:masterClrMapping/>
   </p:clrMapOvr>
+  <p:timing>
+    <p:tnLst>
+      <p:par>
+        <p:cTn id="1" dur="indefinite" restart="never" nodeType="tmRoot"/>
+      </p:par>
+    </p:tnLst>
+  </p:timing>
 </p:sld>
 </file>
 
@@ -3936,83 +4039,60 @@
       </p:grpSpPr>
       <p:sp>
         <p:nvSpPr>
-          <p:cNvPr id="2" name="標題 1"/>
-          <p:cNvSpPr>
-            <a:spLocks noGrp="1"/>
-          </p:cNvSpPr>
-          <p:nvPr>
-            <p:ph type="title"/>
-          </p:nvPr>
-        </p:nvSpPr>
-        <p:spPr/>
-        <p:txBody>
-          <a:bodyPr/>
-          <a:lstStyle/>
-          <a:p>
-            <a:r>
-              <a:rPr lang="zh-TW" altLang="en-US" b="1" dirty="0">
+          <p:cNvPr id="5" name="內容版面配置區 4"/>
+          <p:cNvSpPr>
+            <a:spLocks noGrp="1"/>
+          </p:cNvSpPr>
+          <p:nvPr>
+            <p:ph idx="1"/>
+          </p:nvPr>
+        </p:nvSpPr>
+        <p:spPr>
+          <a:xfrm>
+            <a:off x="0" y="2084851"/>
+            <a:ext cx="12192000" cy="2404863"/>
+          </a:xfrm>
+        </p:spPr>
+        <p:txBody>
+          <a:bodyPr anchor="ctr">
+            <a:normAutofit/>
+          </a:bodyPr>
+          <a:lstStyle/>
+          <a:p>
+            <a:pPr algn="ctr">
+              <a:buNone/>
+            </a:pPr>
+            <a:r>
+              <a:rPr lang="zh-TW" altLang="en-US" sz="6400" b="1" dirty="0">
                 <a:solidFill>
                   <a:srgbClr val="000066"/>
                 </a:solidFill>
                 <a:latin typeface="微軟正黑體" pitchFamily="34" charset="-120"/>
                 <a:ea typeface="微軟正黑體" pitchFamily="34" charset="-120"/>
               </a:rPr>
-              <a:t>聽</a:t>
-            </a:r>
-            <a:r>
-              <a:rPr lang="zh-TW" altLang="en-US" b="1" dirty="0" smtClean="0">
+              <a:t>願平安歸</a:t>
+            </a:r>
+            <a:r>
+              <a:rPr lang="zh-CN" altLang="en-US" sz="6400" b="1" dirty="0">
                 <a:solidFill>
                   <a:srgbClr val="000066"/>
                 </a:solidFill>
                 <a:latin typeface="微軟正黑體" pitchFamily="34" charset="-120"/>
                 <a:ea typeface="微軟正黑體" pitchFamily="34" charset="-120"/>
               </a:rPr>
-              <a:t>啊  天</a:t>
-            </a:r>
-            <a:r>
-              <a:rPr lang="zh-TW" altLang="en-US" b="1" dirty="0">
+              <a:t>與</a:t>
+            </a:r>
+            <a:r>
+              <a:rPr lang="zh-TW" altLang="en-US" sz="6400" b="1" dirty="0">
                 <a:solidFill>
                   <a:srgbClr val="000066"/>
                 </a:solidFill>
                 <a:latin typeface="微軟正黑體" pitchFamily="34" charset="-120"/>
                 <a:ea typeface="微軟正黑體" pitchFamily="34" charset="-120"/>
               </a:rPr>
-              <a:t>軍讚美聲</a:t>
-            </a:r>
-          </a:p>
-        </p:txBody>
-      </p:sp>
-      <p:sp>
-        <p:nvSpPr>
-          <p:cNvPr id="4" name="內容版面配置區 3"/>
-          <p:cNvSpPr>
-            <a:spLocks noGrp="1"/>
-          </p:cNvSpPr>
-          <p:nvPr>
-            <p:ph idx="1"/>
-          </p:nvPr>
-        </p:nvSpPr>
-        <p:spPr/>
-        <p:txBody>
-          <a:bodyPr>
-            <a:normAutofit/>
-          </a:bodyPr>
-          <a:lstStyle/>
-          <a:p>
-            <a:pPr lvl="0" algn="ctr">
-              <a:buNone/>
-            </a:pPr>
-            <a:r>
-              <a:rPr lang="zh-TW" altLang="en-US" sz="5400" b="1" dirty="0" smtClean="0">
-                <a:solidFill>
-                  <a:srgbClr val="000066"/>
-                </a:solidFill>
-                <a:latin typeface="微軟正黑體" pitchFamily="34" charset="-120"/>
-                <a:ea typeface="微軟正黑體" pitchFamily="34" charset="-120"/>
-              </a:rPr>
-              <a:t>聽啊  讚歌正飄揚</a:t>
-            </a:r>
-            <a:endParaRPr lang="en-US" altLang="zh-TW" sz="5400" b="1" dirty="0" smtClean="0">
+              <a:t>所有人</a:t>
+            </a:r>
+            <a:endParaRPr lang="en-US" altLang="zh-TW" sz="6400" b="1" dirty="0">
               <a:solidFill>
                 <a:srgbClr val="000066"/>
               </a:solidFill>
@@ -4021,35 +4101,20 @@
             </a:endParaRPr>
           </a:p>
           <a:p>
-            <a:pPr lvl="0" algn="ctr">
+            <a:pPr algn="ctr">
               <a:buNone/>
             </a:pPr>
             <a:r>
-              <a:rPr lang="zh-TW" altLang="en-US" sz="5400" b="1" dirty="0" smtClean="0">
+              <a:rPr lang="zh-TW" altLang="en-US" sz="6400" b="1" dirty="0">
                 <a:solidFill>
                   <a:srgbClr val="000066"/>
                 </a:solidFill>
                 <a:latin typeface="微軟正黑體" pitchFamily="34" charset="-120"/>
                 <a:ea typeface="微軟正黑體" pitchFamily="34" charset="-120"/>
               </a:rPr>
-              <a:t>知否救恩的意義</a:t>
-            </a:r>
-          </a:p>
-          <a:p>
-            <a:pPr algn="ctr">
-              <a:buNone/>
-            </a:pPr>
-            <a:r>
-              <a:rPr lang="zh-TW" altLang="en-US" sz="5400" b="1" dirty="0" smtClean="0">
-                <a:solidFill>
-                  <a:srgbClr val="000066"/>
-                </a:solidFill>
-                <a:latin typeface="微軟正黑體" pitchFamily="34" charset="-120"/>
-                <a:ea typeface="微軟正黑體" pitchFamily="34" charset="-120"/>
-              </a:rPr>
-              <a:t>人人因祂得享永恆</a:t>
-            </a:r>
-            <a:endParaRPr lang="en-US" altLang="zh-TW" sz="5400" b="1" dirty="0" smtClean="0">
+              <a:t>願人快樂歌唱</a:t>
+            </a:r>
+            <a:endParaRPr lang="zh-TW" altLang="en-US" sz="6400" b="1" dirty="0">
               <a:solidFill>
                 <a:srgbClr val="000066"/>
               </a:solidFill>
@@ -4057,28 +4122,25 @@
               <a:ea typeface="微軟正黑體" pitchFamily="34" charset="-120"/>
             </a:endParaRPr>
           </a:p>
-          <a:p>
-            <a:pPr algn="ctr">
-              <a:buNone/>
-            </a:pPr>
-            <a:r>
-              <a:rPr lang="zh-TW" altLang="en-US" sz="5400" b="1" dirty="0" smtClean="0">
-                <a:solidFill>
-                  <a:srgbClr val="000066"/>
-                </a:solidFill>
-                <a:latin typeface="微軟正黑體" pitchFamily="34" charset="-120"/>
-                <a:ea typeface="微軟正黑體" pitchFamily="34" charset="-120"/>
-              </a:rPr>
-              <a:t>身處美麗天國</a:t>
-            </a:r>
-          </a:p>
         </p:txBody>
       </p:sp>
     </p:spTree>
+    <p:extLst>
+      <p:ext uri="{BB962C8B-B14F-4D97-AF65-F5344CB8AC3E}">
+        <p14:creationId xmlns:p14="http://schemas.microsoft.com/office/powerpoint/2010/main" val="4006387491"/>
+      </p:ext>
+    </p:extLst>
   </p:cSld>
   <p:clrMapOvr>
     <a:masterClrMapping/>
   </p:clrMapOvr>
+  <p:timing>
+    <p:tnLst>
+      <p:par>
+        <p:cTn id="1" dur="indefinite" restart="never" nodeType="tmRoot"/>
+      </p:par>
+    </p:tnLst>
+  </p:timing>
 </p:sld>
 </file>
 
@@ -4101,113 +4163,40 @@
       </p:grpSpPr>
       <p:sp>
         <p:nvSpPr>
-          <p:cNvPr id="2" name="標題 1"/>
-          <p:cNvSpPr>
-            <a:spLocks noGrp="1"/>
-          </p:cNvSpPr>
-          <p:nvPr>
-            <p:ph type="title"/>
-          </p:nvPr>
-        </p:nvSpPr>
-        <p:spPr/>
-        <p:txBody>
-          <a:bodyPr/>
-          <a:lstStyle/>
-          <a:p>
-            <a:r>
-              <a:rPr lang="zh-TW" altLang="en-US" b="1" dirty="0">
+          <p:cNvPr id="5" name="內容版面配置區 4"/>
+          <p:cNvSpPr>
+            <a:spLocks noGrp="1"/>
+          </p:cNvSpPr>
+          <p:nvPr>
+            <p:ph idx="1"/>
+          </p:nvPr>
+        </p:nvSpPr>
+        <p:spPr>
+          <a:xfrm>
+            <a:off x="0" y="2084851"/>
+            <a:ext cx="12192000" cy="2404863"/>
+          </a:xfrm>
+        </p:spPr>
+        <p:txBody>
+          <a:bodyPr anchor="ctr">
+            <a:normAutofit/>
+          </a:bodyPr>
+          <a:lstStyle/>
+          <a:p>
+            <a:pPr lvl="0" algn="ctr">
+              <a:buNone/>
+            </a:pPr>
+            <a:r>
+              <a:rPr lang="zh-TW" altLang="en-US" sz="6400" b="1" dirty="0">
                 <a:solidFill>
                   <a:srgbClr val="000066"/>
                 </a:solidFill>
                 <a:latin typeface="微軟正黑體" pitchFamily="34" charset="-120"/>
                 <a:ea typeface="微軟正黑體" pitchFamily="34" charset="-120"/>
               </a:rPr>
-              <a:t>聽</a:t>
-            </a:r>
-            <a:r>
-              <a:rPr lang="zh-TW" altLang="en-US" b="1" dirty="0" smtClean="0">
-                <a:solidFill>
-                  <a:srgbClr val="000066"/>
-                </a:solidFill>
-                <a:latin typeface="微軟正黑體" pitchFamily="34" charset="-120"/>
-                <a:ea typeface="微軟正黑體" pitchFamily="34" charset="-120"/>
-              </a:rPr>
-              <a:t>啊  天</a:t>
-            </a:r>
-            <a:r>
-              <a:rPr lang="zh-TW" altLang="en-US" b="1" dirty="0">
-                <a:solidFill>
-                  <a:srgbClr val="000066"/>
-                </a:solidFill>
-                <a:latin typeface="微軟正黑體" pitchFamily="34" charset="-120"/>
-                <a:ea typeface="微軟正黑體" pitchFamily="34" charset="-120"/>
-              </a:rPr>
-              <a:t>軍讚美聲</a:t>
-            </a:r>
-          </a:p>
-        </p:txBody>
-      </p:sp>
-      <p:sp>
-        <p:nvSpPr>
-          <p:cNvPr id="4" name="內容版面配置區 3"/>
-          <p:cNvSpPr>
-            <a:spLocks noGrp="1"/>
-          </p:cNvSpPr>
-          <p:nvPr>
-            <p:ph idx="1"/>
-          </p:nvPr>
-        </p:nvSpPr>
-        <p:spPr/>
-        <p:txBody>
-          <a:bodyPr>
-            <a:normAutofit/>
-          </a:bodyPr>
-          <a:lstStyle/>
-          <a:p>
-            <a:pPr algn="ctr">
-              <a:buNone/>
-            </a:pPr>
-            <a:r>
-              <a:rPr lang="zh-TW" altLang="en-US" sz="5400" b="1" dirty="0" smtClean="0">
-                <a:solidFill>
-                  <a:srgbClr val="000066"/>
-                </a:solidFill>
-                <a:latin typeface="微軟正黑體" pitchFamily="34" charset="-120"/>
-                <a:ea typeface="微軟正黑體" pitchFamily="34" charset="-120"/>
-              </a:rPr>
-              <a:t>聽</a:t>
-            </a:r>
-            <a:r>
-              <a:rPr lang="zh-TW" altLang="en-US" sz="5400" b="1" dirty="0" smtClean="0">
-                <a:solidFill>
-                  <a:srgbClr val="000066"/>
-                </a:solidFill>
-                <a:latin typeface="微軟正黑體" pitchFamily="34" charset="-120"/>
-                <a:ea typeface="微軟正黑體" pitchFamily="34" charset="-120"/>
-              </a:rPr>
-              <a:t>啊  天</a:t>
-            </a:r>
-            <a:r>
-              <a:rPr lang="zh-TW" altLang="en-US" sz="5400" b="1" dirty="0" smtClean="0">
-                <a:solidFill>
-                  <a:srgbClr val="000066"/>
-                </a:solidFill>
-                <a:latin typeface="微軟正黑體" pitchFamily="34" charset="-120"/>
-                <a:ea typeface="微軟正黑體" pitchFamily="34" charset="-120"/>
-              </a:rPr>
-              <a:t>軍讚美</a:t>
-            </a:r>
-            <a:r>
-              <a:rPr lang="zh-TW" altLang="en-US" sz="5400" b="1" dirty="0" smtClean="0">
-                <a:solidFill>
-                  <a:srgbClr val="000066"/>
-                </a:solidFill>
-                <a:latin typeface="微軟正黑體" pitchFamily="34" charset="-120"/>
-                <a:ea typeface="微軟正黑體" pitchFamily="34" charset="-120"/>
-              </a:rPr>
-              <a:t>聲</a:t>
-            </a:r>
-            <a:endParaRPr lang="en-US" altLang="zh-TW" sz="5400" b="1" dirty="0" smtClean="0">
+              <a:t>這晚眾星更顯燦爛</a:t>
+            </a:r>
+            <a:endParaRPr lang="en-US" altLang="zh-TW" sz="6400" b="1" dirty="0">
               <a:solidFill>
                 <a:srgbClr val="000066"/>
               </a:solidFill>
@@ -4216,40 +4205,134 @@
             </a:endParaRPr>
           </a:p>
           <a:p>
-            <a:pPr algn="ctr">
+            <a:pPr lvl="0" algn="ctr">
               <a:buNone/>
             </a:pPr>
             <a:r>
-              <a:rPr lang="zh-TW" altLang="en-US" sz="5400" b="1" dirty="0" smtClean="0">
+              <a:rPr lang="zh-TW" altLang="en-US" sz="6400" b="1" dirty="0">
                 <a:solidFill>
                   <a:srgbClr val="000066"/>
                 </a:solidFill>
                 <a:latin typeface="微軟正黑體" pitchFamily="34" charset="-120"/>
                 <a:ea typeface="微軟正黑體" pitchFamily="34" charset="-120"/>
               </a:rPr>
-              <a:t>敬</a:t>
-            </a:r>
-            <a:r>
-              <a:rPr lang="zh-TW" altLang="en-US" sz="5400" b="1" dirty="0" smtClean="0">
+              <a:t>皆因救主生世上</a:t>
+            </a:r>
+          </a:p>
+        </p:txBody>
+      </p:sp>
+      <p:sp>
+        <p:nvSpPr>
+          <p:cNvPr id="3" name="TextBox 2"/>
+          <p:cNvSpPr txBox="1"/>
+          <p:nvPr/>
+        </p:nvSpPr>
+        <p:spPr>
+          <a:xfrm>
+            <a:off x="0" y="5061181"/>
+            <a:ext cx="12192000" cy="748988"/>
+          </a:xfrm>
+          <a:prstGeom prst="rect">
+            <a:avLst/>
+          </a:prstGeom>
+          <a:noFill/>
+        </p:spPr>
+        <p:txBody>
+          <a:bodyPr wrap="square" rtlCol="0">
+            <a:spAutoFit/>
+          </a:bodyPr>
+          <a:lstStyle/>
+          <a:p>
+            <a:pPr algn="ctr"/>
+            <a:r>
+              <a:rPr lang="en-US" sz="4267" b="1" dirty="0">
+                <a:solidFill>
+                  <a:srgbClr val="000066"/>
+                </a:solidFill>
+              </a:rPr>
+              <a:t>( 2 / 3 )</a:t>
+            </a:r>
+            <a:endParaRPr lang="vi-VN" sz="4267" b="1" dirty="0">
+              <a:solidFill>
+                <a:srgbClr val="000066"/>
+              </a:solidFill>
+            </a:endParaRPr>
+          </a:p>
+        </p:txBody>
+      </p:sp>
+    </p:spTree>
+    <p:extLst>
+      <p:ext uri="{BB962C8B-B14F-4D97-AF65-F5344CB8AC3E}">
+        <p14:creationId xmlns:p14="http://schemas.microsoft.com/office/powerpoint/2010/main" val="3796063056"/>
+      </p:ext>
+    </p:extLst>
+  </p:cSld>
+  <p:clrMapOvr>
+    <a:masterClrMapping/>
+  </p:clrMapOvr>
+  <p:timing>
+    <p:tnLst>
+      <p:par>
+        <p:cTn id="1" dur="indefinite" restart="never" nodeType="tmRoot"/>
+      </p:par>
+    </p:tnLst>
+  </p:timing>
+</p:sld>
+</file>
+
+<file path=ppt/slides/slide7.xml><?xml version="1.0" encoding="utf-8"?>
+<p:sld xmlns:a="http://schemas.openxmlformats.org/drawingml/2006/main" xmlns:r="http://schemas.openxmlformats.org/officeDocument/2006/relationships" xmlns:p="http://schemas.openxmlformats.org/presentationml/2006/main">
+  <p:cSld>
+    <p:spTree>
+      <p:nvGrpSpPr>
+        <p:cNvPr id="1" name=""/>
+        <p:cNvGrpSpPr/>
+        <p:nvPr/>
+      </p:nvGrpSpPr>
+      <p:grpSpPr>
+        <a:xfrm>
+          <a:off x="0" y="0"/>
+          <a:ext cx="0" cy="0"/>
+          <a:chOff x="0" y="0"/>
+          <a:chExt cx="0" cy="0"/>
+        </a:xfrm>
+      </p:grpSpPr>
+      <p:sp>
+        <p:nvSpPr>
+          <p:cNvPr id="5" name="內容版面配置區 4"/>
+          <p:cNvSpPr>
+            <a:spLocks noGrp="1"/>
+          </p:cNvSpPr>
+          <p:nvPr>
+            <p:ph idx="1"/>
+          </p:nvPr>
+        </p:nvSpPr>
+        <p:spPr>
+          <a:xfrm>
+            <a:off x="0" y="2084851"/>
+            <a:ext cx="12192000" cy="2404863"/>
+          </a:xfrm>
+        </p:spPr>
+        <p:txBody>
+          <a:bodyPr anchor="ctr">
+            <a:normAutofit/>
+          </a:bodyPr>
+          <a:lstStyle/>
+          <a:p>
+            <a:pPr algn="ctr">
+              <a:buNone/>
+            </a:pPr>
+            <a:r>
+              <a:rPr lang="zh-TW" altLang="en-US" sz="6400" b="1" dirty="0">
                 <a:solidFill>
                   <a:srgbClr val="000066"/>
                 </a:solidFill>
                 <a:latin typeface="微軟正黑體" pitchFamily="34" charset="-120"/>
                 <a:ea typeface="微軟正黑體" pitchFamily="34" charset="-120"/>
               </a:rPr>
-              <a:t>拜降生的</a:t>
-            </a:r>
-            <a:r>
-              <a:rPr lang="zh-TW" altLang="en-US" sz="5400" b="1" dirty="0" smtClean="0">
-                <a:solidFill>
-                  <a:srgbClr val="000066"/>
-                </a:solidFill>
-                <a:latin typeface="微軟正黑體" pitchFamily="34" charset="-120"/>
-                <a:ea typeface="微軟正黑體" pitchFamily="34" charset="-120"/>
-              </a:rPr>
-              <a:t>主</a:t>
-            </a:r>
-            <a:endParaRPr lang="zh-TW" altLang="en-US" sz="5400" b="1" dirty="0" smtClean="0">
+              <a:t>原來基督安躺馬槽</a:t>
+            </a:r>
+            <a:endParaRPr lang="en-US" altLang="zh-TW" sz="6400" b="1" dirty="0">
               <a:solidFill>
                 <a:srgbClr val="000066"/>
               </a:solidFill>
@@ -4262,26 +4345,130 @@
               <a:buNone/>
             </a:pPr>
             <a:r>
-              <a:rPr lang="zh-TW" altLang="en-US" sz="5400" b="1" dirty="0" smtClean="0">
+              <a:rPr lang="zh-TW" altLang="en-US" sz="6400" b="1" dirty="0">
                 <a:solidFill>
                   <a:srgbClr val="000066"/>
                 </a:solidFill>
                 <a:latin typeface="微軟正黑體" pitchFamily="34" charset="-120"/>
                 <a:ea typeface="微軟正黑體" pitchFamily="34" charset="-120"/>
               </a:rPr>
-              <a:t>願平安歸於</a:t>
-            </a:r>
-            <a:r>
-              <a:rPr lang="zh-TW" altLang="en-US" sz="5400" b="1" dirty="0" smtClean="0">
+              <a:t>牧人正在俯拜</a:t>
+            </a:r>
+          </a:p>
+        </p:txBody>
+      </p:sp>
+      <p:sp>
+        <p:nvSpPr>
+          <p:cNvPr id="3" name="TextBox 2"/>
+          <p:cNvSpPr txBox="1"/>
+          <p:nvPr/>
+        </p:nvSpPr>
+        <p:spPr>
+          <a:xfrm>
+            <a:off x="0" y="5061181"/>
+            <a:ext cx="12192000" cy="748988"/>
+          </a:xfrm>
+          <a:prstGeom prst="rect">
+            <a:avLst/>
+          </a:prstGeom>
+          <a:noFill/>
+        </p:spPr>
+        <p:txBody>
+          <a:bodyPr wrap="square" rtlCol="0">
+            <a:spAutoFit/>
+          </a:bodyPr>
+          <a:lstStyle/>
+          <a:p>
+            <a:pPr algn="ctr"/>
+            <a:r>
+              <a:rPr lang="en-US" sz="4267" b="1" dirty="0">
+                <a:solidFill>
+                  <a:srgbClr val="000066"/>
+                </a:solidFill>
+              </a:rPr>
+              <a:t>( 2 / 3 )</a:t>
+            </a:r>
+            <a:endParaRPr lang="vi-VN" sz="4267" b="1" dirty="0">
+              <a:solidFill>
+                <a:srgbClr val="000066"/>
+              </a:solidFill>
+            </a:endParaRPr>
+          </a:p>
+        </p:txBody>
+      </p:sp>
+    </p:spTree>
+    <p:extLst>
+      <p:ext uri="{BB962C8B-B14F-4D97-AF65-F5344CB8AC3E}">
+        <p14:creationId xmlns:p14="http://schemas.microsoft.com/office/powerpoint/2010/main" val="1032628208"/>
+      </p:ext>
+    </p:extLst>
+  </p:cSld>
+  <p:clrMapOvr>
+    <a:masterClrMapping/>
+  </p:clrMapOvr>
+  <p:timing>
+    <p:tnLst>
+      <p:par>
+        <p:cTn id="1" dur="indefinite" restart="never" nodeType="tmRoot"/>
+      </p:par>
+    </p:tnLst>
+  </p:timing>
+</p:sld>
+</file>
+
+<file path=ppt/slides/slide8.xml><?xml version="1.0" encoding="utf-8"?>
+<p:sld xmlns:a="http://schemas.openxmlformats.org/drawingml/2006/main" xmlns:r="http://schemas.openxmlformats.org/officeDocument/2006/relationships" xmlns:p="http://schemas.openxmlformats.org/presentationml/2006/main">
+  <p:cSld>
+    <p:spTree>
+      <p:nvGrpSpPr>
+        <p:cNvPr id="1" name=""/>
+        <p:cNvGrpSpPr/>
+        <p:nvPr/>
+      </p:nvGrpSpPr>
+      <p:grpSpPr>
+        <a:xfrm>
+          <a:off x="0" y="0"/>
+          <a:ext cx="0" cy="0"/>
+          <a:chOff x="0" y="0"/>
+          <a:chExt cx="0" cy="0"/>
+        </a:xfrm>
+      </p:grpSpPr>
+      <p:sp>
+        <p:nvSpPr>
+          <p:cNvPr id="5" name="內容版面配置區 4"/>
+          <p:cNvSpPr>
+            <a:spLocks noGrp="1"/>
+          </p:cNvSpPr>
+          <p:nvPr>
+            <p:ph idx="1"/>
+          </p:nvPr>
+        </p:nvSpPr>
+        <p:spPr>
+          <a:xfrm>
+            <a:off x="0" y="2084851"/>
+            <a:ext cx="12192000" cy="2404863"/>
+          </a:xfrm>
+        </p:spPr>
+        <p:txBody>
+          <a:bodyPr anchor="ctr">
+            <a:normAutofit/>
+          </a:bodyPr>
+          <a:lstStyle/>
+          <a:p>
+            <a:pPr algn="ctr">
+              <a:buNone/>
+            </a:pPr>
+            <a:r>
+              <a:rPr lang="zh-TW" altLang="en-US" sz="6400" b="1" dirty="0">
                 <a:solidFill>
                   <a:srgbClr val="000066"/>
                 </a:solidFill>
                 <a:latin typeface="微軟正黑體" pitchFamily="34" charset="-120"/>
                 <a:ea typeface="微軟正黑體" pitchFamily="34" charset="-120"/>
               </a:rPr>
-              <a:t>所有人</a:t>
-            </a:r>
-            <a:endParaRPr lang="en-US" altLang="zh-TW" sz="5400" b="1" dirty="0" smtClean="0">
+              <a:t>聽啊  天軍讚美聲</a:t>
+            </a:r>
+            <a:endParaRPr lang="en-US" altLang="zh-TW" sz="6400" b="1" dirty="0">
               <a:solidFill>
                 <a:srgbClr val="000066"/>
               </a:solidFill>
@@ -4294,26 +4481,111 @@
               <a:buNone/>
             </a:pPr>
             <a:r>
-              <a:rPr lang="zh-TW" altLang="en-US" sz="5400" b="1" dirty="0" smtClean="0">
+              <a:rPr lang="zh-TW" altLang="en-US" sz="6400" b="1" dirty="0">
                 <a:solidFill>
                   <a:srgbClr val="000066"/>
                 </a:solidFill>
                 <a:latin typeface="微軟正黑體" pitchFamily="34" charset="-120"/>
                 <a:ea typeface="微軟正黑體" pitchFamily="34" charset="-120"/>
               </a:rPr>
-              <a:t>願</a:t>
-            </a:r>
-            <a:r>
-              <a:rPr lang="zh-TW" altLang="en-US" sz="5400" b="1" dirty="0" smtClean="0">
+              <a:t>敬拜降生的主</a:t>
+            </a:r>
+          </a:p>
+        </p:txBody>
+      </p:sp>
+    </p:spTree>
+    <p:extLst>
+      <p:ext uri="{BB962C8B-B14F-4D97-AF65-F5344CB8AC3E}">
+        <p14:creationId xmlns:p14="http://schemas.microsoft.com/office/powerpoint/2010/main" val="2887705916"/>
+      </p:ext>
+    </p:extLst>
+  </p:cSld>
+  <p:clrMapOvr>
+    <a:masterClrMapping/>
+  </p:clrMapOvr>
+  <p:timing>
+    <p:tnLst>
+      <p:par>
+        <p:cTn id="1" dur="indefinite" restart="never" nodeType="tmRoot"/>
+      </p:par>
+    </p:tnLst>
+  </p:timing>
+</p:sld>
+</file>
+
+<file path=ppt/slides/slide9.xml><?xml version="1.0" encoding="utf-8"?>
+<p:sld xmlns:a="http://schemas.openxmlformats.org/drawingml/2006/main" xmlns:r="http://schemas.openxmlformats.org/officeDocument/2006/relationships" xmlns:p="http://schemas.openxmlformats.org/presentationml/2006/main">
+  <p:cSld>
+    <p:spTree>
+      <p:nvGrpSpPr>
+        <p:cNvPr id="1" name=""/>
+        <p:cNvGrpSpPr/>
+        <p:nvPr/>
+      </p:nvGrpSpPr>
+      <p:grpSpPr>
+        <a:xfrm>
+          <a:off x="0" y="0"/>
+          <a:ext cx="0" cy="0"/>
+          <a:chOff x="0" y="0"/>
+          <a:chExt cx="0" cy="0"/>
+        </a:xfrm>
+      </p:grpSpPr>
+      <p:sp>
+        <p:nvSpPr>
+          <p:cNvPr id="5" name="內容版面配置區 4"/>
+          <p:cNvSpPr>
+            <a:spLocks noGrp="1"/>
+          </p:cNvSpPr>
+          <p:nvPr>
+            <p:ph idx="1"/>
+          </p:nvPr>
+        </p:nvSpPr>
+        <p:spPr>
+          <a:xfrm>
+            <a:off x="0" y="2084851"/>
+            <a:ext cx="12192000" cy="2404863"/>
+          </a:xfrm>
+        </p:spPr>
+        <p:txBody>
+          <a:bodyPr anchor="ctr">
+            <a:normAutofit/>
+          </a:bodyPr>
+          <a:lstStyle/>
+          <a:p>
+            <a:pPr algn="ctr">
+              <a:buNone/>
+            </a:pPr>
+            <a:r>
+              <a:rPr lang="zh-TW" altLang="en-US" sz="6400" b="1" dirty="0">
                 <a:solidFill>
                   <a:srgbClr val="000066"/>
                 </a:solidFill>
                 <a:latin typeface="微軟正黑體" pitchFamily="34" charset="-120"/>
                 <a:ea typeface="微軟正黑體" pitchFamily="34" charset="-120"/>
               </a:rPr>
-              <a:t>人快樂歌唱</a:t>
-            </a:r>
-            <a:endParaRPr lang="zh-TW" altLang="en-US" sz="5400" b="1" dirty="0">
+              <a:t>願平安歸</a:t>
+            </a:r>
+            <a:r>
+              <a:rPr lang="zh-CN" altLang="en-US" sz="6400" b="1" dirty="0">
+                <a:solidFill>
+                  <a:srgbClr val="000066"/>
+                </a:solidFill>
+                <a:latin typeface="微軟正黑體" pitchFamily="34" charset="-120"/>
+                <a:ea typeface="微軟正黑體" pitchFamily="34" charset="-120"/>
+              </a:rPr>
+              <a:t>與</a:t>
+            </a:r>
+            <a:r>
+              <a:rPr lang="zh-TW" altLang="en-US" sz="6400" b="1" dirty="0">
+                <a:solidFill>
+                  <a:srgbClr val="000066"/>
+                </a:solidFill>
+                <a:latin typeface="微軟正黑體" pitchFamily="34" charset="-120"/>
+                <a:ea typeface="微軟正黑體" pitchFamily="34" charset="-120"/>
+              </a:rPr>
+              <a:t>所有人</a:t>
+            </a:r>
+            <a:endParaRPr lang="en-US" altLang="zh-TW" sz="6400" b="1" dirty="0">
               <a:solidFill>
                 <a:srgbClr val="000066"/>
               </a:solidFill>
@@ -4321,13 +4593,47 @@
               <a:ea typeface="微軟正黑體" pitchFamily="34" charset="-120"/>
             </a:endParaRPr>
           </a:p>
+          <a:p>
+            <a:pPr algn="ctr">
+              <a:buNone/>
+            </a:pPr>
+            <a:r>
+              <a:rPr lang="zh-TW" altLang="en-US" sz="6400" b="1" dirty="0">
+                <a:solidFill>
+                  <a:srgbClr val="000066"/>
+                </a:solidFill>
+                <a:latin typeface="微軟正黑體" pitchFamily="34" charset="-120"/>
+                <a:ea typeface="微軟正黑體" pitchFamily="34" charset="-120"/>
+              </a:rPr>
+              <a:t>願人快樂歌唱</a:t>
+            </a:r>
+            <a:endParaRPr lang="zh-TW" altLang="en-US" sz="6400" b="1" dirty="0">
+              <a:solidFill>
+                <a:srgbClr val="000066"/>
+              </a:solidFill>
+              <a:latin typeface="微軟正黑體" pitchFamily="34" charset="-120"/>
+              <a:ea typeface="微軟正黑體" pitchFamily="34" charset="-120"/>
+            </a:endParaRPr>
+          </a:p>
         </p:txBody>
       </p:sp>
     </p:spTree>
+    <p:extLst>
+      <p:ext uri="{BB962C8B-B14F-4D97-AF65-F5344CB8AC3E}">
+        <p14:creationId xmlns:p14="http://schemas.microsoft.com/office/powerpoint/2010/main" val="1324707461"/>
+      </p:ext>
+    </p:extLst>
   </p:cSld>
   <p:clrMapOvr>
     <a:masterClrMapping/>
   </p:clrMapOvr>
+  <p:timing>
+    <p:tnLst>
+      <p:par>
+        <p:cTn id="1" dur="indefinite" restart="never" nodeType="tmRoot"/>
+      </p:par>
+    </p:tnLst>
+  </p:timing>
 </p:sld>
 </file>
 
